--- a/material/figures/measurement/readout.pptx
+++ b/material/figures/measurement/readout.pptx
@@ -5,10 +5,11 @@
     <p:sldMasterId id="2147483648" r:id="rId1"/>
   </p:sldMasterIdLst>
   <p:notesMasterIdLst>
-    <p:notesMasterId r:id="rId3"/>
+    <p:notesMasterId r:id="rId4"/>
   </p:notesMasterIdLst>
   <p:sldIdLst>
     <p:sldId id="257" r:id="rId2"/>
+    <p:sldId id="258" r:id="rId3"/>
   </p:sldIdLst>
   <p:sldSz cx="9144000" cy="6858000" type="screen4x3"/>
   <p:notesSz cx="6858000" cy="9144000"/>
@@ -192,7 +193,8 @@
           <a:p>
             <a:fld id="{D9BE5155-B310-4786-9BAA-6B61A9A89412}" type="datetimeFigureOut">
               <a:rPr lang="de-DE" smtClean="0"/>
-              <a:t>06.06.2012</a:t>
+              <a:pPr/>
+              <a:t>23.08.2012</a:t>
             </a:fld>
             <a:endParaRPr lang="de-DE"/>
           </a:p>
@@ -353,6 +355,7 @@
           <a:p>
             <a:fld id="{32591CD9-2801-47FA-B71E-71E61867C302}" type="slidenum">
               <a:rPr lang="de-DE" smtClean="0"/>
+              <a:pPr/>
               <a:t>‹Nr.›</a:t>
             </a:fld>
             <a:endParaRPr lang="de-DE"/>
@@ -524,7 +527,90 @@
           <a:p>
             <a:fld id="{32591CD9-2801-47FA-B71E-71E61867C302}" type="slidenum">
               <a:rPr lang="de-DE" smtClean="0"/>
+              <a:pPr/>
               <a:t>1</a:t>
+            </a:fld>
+            <a:endParaRPr lang="de-DE"/>
+          </a:p>
+        </p:txBody>
+      </p:sp>
+    </p:spTree>
+  </p:cSld>
+  <p:clrMapOvr>
+    <a:masterClrMapping/>
+  </p:clrMapOvr>
+</p:notes>
+</file>
+
+<file path=ppt/notesSlides/notesSlide2.xml><?xml version="1.0" encoding="utf-8"?>
+<p:notes xmlns:a="http://schemas.openxmlformats.org/drawingml/2006/main" xmlns:r="http://schemas.openxmlformats.org/officeDocument/2006/relationships" xmlns:p="http://schemas.openxmlformats.org/presentationml/2006/main">
+  <p:cSld>
+    <p:spTree>
+      <p:nvGrpSpPr>
+        <p:cNvPr id="1" name=""/>
+        <p:cNvGrpSpPr/>
+        <p:nvPr/>
+      </p:nvGrpSpPr>
+      <p:grpSpPr>
+        <a:xfrm>
+          <a:off x="0" y="0"/>
+          <a:ext cx="0" cy="0"/>
+          <a:chOff x="0" y="0"/>
+          <a:chExt cx="0" cy="0"/>
+        </a:xfrm>
+      </p:grpSpPr>
+      <p:sp>
+        <p:nvSpPr>
+          <p:cNvPr id="2" name="Folienbildplatzhalter 1"/>
+          <p:cNvSpPr>
+            <a:spLocks noGrp="1" noRot="1" noChangeAspect="1"/>
+          </p:cNvSpPr>
+          <p:nvPr>
+            <p:ph type="sldImg"/>
+          </p:nvPr>
+        </p:nvSpPr>
+        <p:spPr/>
+      </p:sp>
+      <p:sp>
+        <p:nvSpPr>
+          <p:cNvPr id="3" name="Notizenplatzhalter 2"/>
+          <p:cNvSpPr>
+            <a:spLocks noGrp="1"/>
+          </p:cNvSpPr>
+          <p:nvPr>
+            <p:ph type="body" idx="1"/>
+          </p:nvPr>
+        </p:nvSpPr>
+        <p:spPr/>
+        <p:txBody>
+          <a:bodyPr>
+            <a:normAutofit/>
+          </a:bodyPr>
+          <a:lstStyle/>
+          <a:p>
+            <a:endParaRPr lang="de-DE" dirty="0"/>
+          </a:p>
+        </p:txBody>
+      </p:sp>
+      <p:sp>
+        <p:nvSpPr>
+          <p:cNvPr id="4" name="Foliennummernplatzhalter 3"/>
+          <p:cNvSpPr>
+            <a:spLocks noGrp="1"/>
+          </p:cNvSpPr>
+          <p:nvPr>
+            <p:ph type="sldNum" sz="quarter" idx="10"/>
+          </p:nvPr>
+        </p:nvSpPr>
+        <p:spPr/>
+        <p:txBody>
+          <a:bodyPr/>
+          <a:lstStyle/>
+          <a:p>
+            <a:fld id="{32591CD9-2801-47FA-B71E-71E61867C302}" type="slidenum">
+              <a:rPr lang="de-DE" smtClean="0"/>
+              <a:pPr/>
+              <a:t>2</a:t>
             </a:fld>
             <a:endParaRPr lang="de-DE"/>
           </a:p>
@@ -719,7 +805,8 @@
           <a:p>
             <a:fld id="{7C0D5785-3819-4065-AE25-57540D96468E}" type="datetimeFigureOut">
               <a:rPr lang="de-DE" smtClean="0"/>
-              <a:t>06.06.2012</a:t>
+              <a:pPr/>
+              <a:t>23.08.2012</a:t>
             </a:fld>
             <a:endParaRPr lang="de-DE"/>
           </a:p>
@@ -761,6 +848,7 @@
           <a:p>
             <a:fld id="{AE7498C7-4231-4C4A-B32C-9905C97E8ED7}" type="slidenum">
               <a:rPr lang="de-DE" smtClean="0"/>
+              <a:pPr/>
               <a:t>‹Nr.›</a:t>
             </a:fld>
             <a:endParaRPr lang="de-DE"/>
@@ -884,7 +972,8 @@
           <a:p>
             <a:fld id="{7C0D5785-3819-4065-AE25-57540D96468E}" type="datetimeFigureOut">
               <a:rPr lang="de-DE" smtClean="0"/>
-              <a:t>06.06.2012</a:t>
+              <a:pPr/>
+              <a:t>23.08.2012</a:t>
             </a:fld>
             <a:endParaRPr lang="de-DE"/>
           </a:p>
@@ -926,6 +1015,7 @@
           <a:p>
             <a:fld id="{AE7498C7-4231-4C4A-B32C-9905C97E8ED7}" type="slidenum">
               <a:rPr lang="de-DE" smtClean="0"/>
+              <a:pPr/>
               <a:t>‹Nr.›</a:t>
             </a:fld>
             <a:endParaRPr lang="de-DE"/>
@@ -1059,7 +1149,8 @@
           <a:p>
             <a:fld id="{7C0D5785-3819-4065-AE25-57540D96468E}" type="datetimeFigureOut">
               <a:rPr lang="de-DE" smtClean="0"/>
-              <a:t>06.06.2012</a:t>
+              <a:pPr/>
+              <a:t>23.08.2012</a:t>
             </a:fld>
             <a:endParaRPr lang="de-DE"/>
           </a:p>
@@ -1101,6 +1192,7 @@
           <a:p>
             <a:fld id="{AE7498C7-4231-4C4A-B32C-9905C97E8ED7}" type="slidenum">
               <a:rPr lang="de-DE" smtClean="0"/>
+              <a:pPr/>
               <a:t>‹Nr.›</a:t>
             </a:fld>
             <a:endParaRPr lang="de-DE"/>
@@ -1224,7 +1316,8 @@
           <a:p>
             <a:fld id="{7C0D5785-3819-4065-AE25-57540D96468E}" type="datetimeFigureOut">
               <a:rPr lang="de-DE" smtClean="0"/>
-              <a:t>06.06.2012</a:t>
+              <a:pPr/>
+              <a:t>23.08.2012</a:t>
             </a:fld>
             <a:endParaRPr lang="de-DE"/>
           </a:p>
@@ -1266,6 +1359,7 @@
           <a:p>
             <a:fld id="{AE7498C7-4231-4C4A-B32C-9905C97E8ED7}" type="slidenum">
               <a:rPr lang="de-DE" smtClean="0"/>
+              <a:pPr/>
               <a:t>‹Nr.›</a:t>
             </a:fld>
             <a:endParaRPr lang="de-DE"/>
@@ -1465,7 +1559,8 @@
           <a:p>
             <a:fld id="{7C0D5785-3819-4065-AE25-57540D96468E}" type="datetimeFigureOut">
               <a:rPr lang="de-DE" smtClean="0"/>
-              <a:t>06.06.2012</a:t>
+              <a:pPr/>
+              <a:t>23.08.2012</a:t>
             </a:fld>
             <a:endParaRPr lang="de-DE"/>
           </a:p>
@@ -1507,6 +1602,7 @@
           <a:p>
             <a:fld id="{AE7498C7-4231-4C4A-B32C-9905C97E8ED7}" type="slidenum">
               <a:rPr lang="de-DE" smtClean="0"/>
+              <a:pPr/>
               <a:t>‹Nr.›</a:t>
             </a:fld>
             <a:endParaRPr lang="de-DE"/>
@@ -1748,7 +1844,8 @@
           <a:p>
             <a:fld id="{7C0D5785-3819-4065-AE25-57540D96468E}" type="datetimeFigureOut">
               <a:rPr lang="de-DE" smtClean="0"/>
-              <a:t>06.06.2012</a:t>
+              <a:pPr/>
+              <a:t>23.08.2012</a:t>
             </a:fld>
             <a:endParaRPr lang="de-DE"/>
           </a:p>
@@ -1790,6 +1887,7 @@
           <a:p>
             <a:fld id="{AE7498C7-4231-4C4A-B32C-9905C97E8ED7}" type="slidenum">
               <a:rPr lang="de-DE" smtClean="0"/>
+              <a:pPr/>
               <a:t>‹Nr.›</a:t>
             </a:fld>
             <a:endParaRPr lang="de-DE"/>
@@ -2165,7 +2263,8 @@
           <a:p>
             <a:fld id="{7C0D5785-3819-4065-AE25-57540D96468E}" type="datetimeFigureOut">
               <a:rPr lang="de-DE" smtClean="0"/>
-              <a:t>06.06.2012</a:t>
+              <a:pPr/>
+              <a:t>23.08.2012</a:t>
             </a:fld>
             <a:endParaRPr lang="de-DE"/>
           </a:p>
@@ -2207,6 +2306,7 @@
           <a:p>
             <a:fld id="{AE7498C7-4231-4C4A-B32C-9905C97E8ED7}" type="slidenum">
               <a:rPr lang="de-DE" smtClean="0"/>
+              <a:pPr/>
               <a:t>‹Nr.›</a:t>
             </a:fld>
             <a:endParaRPr lang="de-DE"/>
@@ -2278,7 +2378,8 @@
           <a:p>
             <a:fld id="{7C0D5785-3819-4065-AE25-57540D96468E}" type="datetimeFigureOut">
               <a:rPr lang="de-DE" smtClean="0"/>
-              <a:t>06.06.2012</a:t>
+              <a:pPr/>
+              <a:t>23.08.2012</a:t>
             </a:fld>
             <a:endParaRPr lang="de-DE"/>
           </a:p>
@@ -2320,6 +2421,7 @@
           <a:p>
             <a:fld id="{AE7498C7-4231-4C4A-B32C-9905C97E8ED7}" type="slidenum">
               <a:rPr lang="de-DE" smtClean="0"/>
+              <a:pPr/>
               <a:t>‹Nr.›</a:t>
             </a:fld>
             <a:endParaRPr lang="de-DE"/>
@@ -2368,7 +2470,8 @@
           <a:p>
             <a:fld id="{7C0D5785-3819-4065-AE25-57540D96468E}" type="datetimeFigureOut">
               <a:rPr lang="de-DE" smtClean="0"/>
-              <a:t>06.06.2012</a:t>
+              <a:pPr/>
+              <a:t>23.08.2012</a:t>
             </a:fld>
             <a:endParaRPr lang="de-DE"/>
           </a:p>
@@ -2410,6 +2513,7 @@
           <a:p>
             <a:fld id="{AE7498C7-4231-4C4A-B32C-9905C97E8ED7}" type="slidenum">
               <a:rPr lang="de-DE" smtClean="0"/>
+              <a:pPr/>
               <a:t>‹Nr.›</a:t>
             </a:fld>
             <a:endParaRPr lang="de-DE"/>
@@ -2640,7 +2744,8 @@
           <a:p>
             <a:fld id="{7C0D5785-3819-4065-AE25-57540D96468E}" type="datetimeFigureOut">
               <a:rPr lang="de-DE" smtClean="0"/>
-              <a:t>06.06.2012</a:t>
+              <a:pPr/>
+              <a:t>23.08.2012</a:t>
             </a:fld>
             <a:endParaRPr lang="de-DE"/>
           </a:p>
@@ -2682,6 +2787,7 @@
           <a:p>
             <a:fld id="{AE7498C7-4231-4C4A-B32C-9905C97E8ED7}" type="slidenum">
               <a:rPr lang="de-DE" smtClean="0"/>
+              <a:pPr/>
               <a:t>‹Nr.›</a:t>
             </a:fld>
             <a:endParaRPr lang="de-DE"/>
@@ -2888,7 +2994,8 @@
           <a:p>
             <a:fld id="{7C0D5785-3819-4065-AE25-57540D96468E}" type="datetimeFigureOut">
               <a:rPr lang="de-DE" smtClean="0"/>
-              <a:t>06.06.2012</a:t>
+              <a:pPr/>
+              <a:t>23.08.2012</a:t>
             </a:fld>
             <a:endParaRPr lang="de-DE"/>
           </a:p>
@@ -2930,6 +3037,7 @@
           <a:p>
             <a:fld id="{AE7498C7-4231-4C4A-B32C-9905C97E8ED7}" type="slidenum">
               <a:rPr lang="de-DE" smtClean="0"/>
+              <a:pPr/>
               <a:t>‹Nr.›</a:t>
             </a:fld>
             <a:endParaRPr lang="de-DE"/>
@@ -3096,7 +3204,8 @@
           <a:p>
             <a:fld id="{7C0D5785-3819-4065-AE25-57540D96468E}" type="datetimeFigureOut">
               <a:rPr lang="de-DE" smtClean="0"/>
-              <a:t>06.06.2012</a:t>
+              <a:pPr/>
+              <a:t>23.08.2012</a:t>
             </a:fld>
             <a:endParaRPr lang="de-DE"/>
           </a:p>
@@ -3174,6 +3283,7 @@
           <a:p>
             <a:fld id="{AE7498C7-4231-4C4A-B32C-9905C97E8ED7}" type="slidenum">
               <a:rPr lang="de-DE" smtClean="0"/>
+              <a:pPr/>
               <a:t>‹Nr.›</a:t>
             </a:fld>
             <a:endParaRPr lang="de-DE"/>
@@ -3916,10 +4026,6 @@
               </a:rPr>
               <a:t>L</a:t>
             </a:r>
-            <a:endParaRPr lang="de-DE" sz="1400" i="1" dirty="0">
-              <a:latin typeface="Times New Roman" pitchFamily="18" charset="0"/>
-              <a:cs typeface="Times New Roman" pitchFamily="18" charset="0"/>
-            </a:endParaRPr>
           </a:p>
         </p:txBody>
       </p:sp>
@@ -5672,6 +5778,2796 @@
   <p:clrMapOvr>
     <a:masterClrMapping/>
   </p:clrMapOvr>
+</p:sld>
+</file>
+
+<file path=ppt/slides/slide2.xml><?xml version="1.0" encoding="utf-8"?>
+<p:sld xmlns:a="http://schemas.openxmlformats.org/drawingml/2006/main" xmlns:r="http://schemas.openxmlformats.org/officeDocument/2006/relationships" xmlns:p="http://schemas.openxmlformats.org/presentationml/2006/main">
+  <p:cSld>
+    <p:spTree>
+      <p:nvGrpSpPr>
+        <p:cNvPr id="1" name=""/>
+        <p:cNvGrpSpPr/>
+        <p:nvPr/>
+      </p:nvGrpSpPr>
+      <p:grpSpPr>
+        <a:xfrm>
+          <a:off x="0" y="0"/>
+          <a:ext cx="0" cy="0"/>
+          <a:chOff x="0" y="0"/>
+          <a:chExt cx="0" cy="0"/>
+        </a:xfrm>
+      </p:grpSpPr>
+      <p:sp>
+        <p:nvSpPr>
+          <p:cNvPr id="77" name="Freihandform 76"/>
+          <p:cNvSpPr/>
+          <p:nvPr/>
+        </p:nvSpPr>
+        <p:spPr>
+          <a:xfrm>
+            <a:off x="3524569" y="1755955"/>
+            <a:ext cx="151971" cy="672277"/>
+          </a:xfrm>
+          <a:custGeom>
+            <a:avLst/>
+            <a:gdLst>
+              <a:gd name="connsiteX0" fmla="*/ 0 w 151971"/>
+              <a:gd name="connsiteY0" fmla="*/ 672277 h 672277"/>
+              <a:gd name="connsiteX1" fmla="*/ 0 w 151971"/>
+              <a:gd name="connsiteY1" fmla="*/ 108183 h 672277"/>
+              <a:gd name="connsiteX2" fmla="*/ 151971 w 151971"/>
+              <a:gd name="connsiteY2" fmla="*/ 0 h 672277"/>
+            </a:gdLst>
+            <a:ahLst/>
+            <a:cxnLst>
+              <a:cxn ang="0">
+                <a:pos x="connsiteX0" y="connsiteY0"/>
+              </a:cxn>
+              <a:cxn ang="0">
+                <a:pos x="connsiteX1" y="connsiteY1"/>
+              </a:cxn>
+              <a:cxn ang="0">
+                <a:pos x="connsiteX2" y="connsiteY2"/>
+              </a:cxn>
+            </a:cxnLst>
+            <a:rect l="l" t="t" r="r" b="b"/>
+            <a:pathLst>
+              <a:path w="151971" h="672277">
+                <a:moveTo>
+                  <a:pt x="0" y="672277"/>
+                </a:moveTo>
+                <a:lnTo>
+                  <a:pt x="0" y="108183"/>
+                </a:lnTo>
+                <a:lnTo>
+                  <a:pt x="151971" y="0"/>
+                </a:lnTo>
+              </a:path>
+            </a:pathLst>
+          </a:custGeom>
+          <a:ln w="12700">
+            <a:solidFill>
+              <a:schemeClr val="bg1">
+                <a:lumMod val="50000"/>
+              </a:schemeClr>
+            </a:solidFill>
+          </a:ln>
+        </p:spPr>
+        <p:style>
+          <a:lnRef idx="1">
+            <a:schemeClr val="accent1"/>
+          </a:lnRef>
+          <a:fillRef idx="0">
+            <a:schemeClr val="accent1"/>
+          </a:fillRef>
+          <a:effectRef idx="0">
+            <a:schemeClr val="accent1"/>
+          </a:effectRef>
+          <a:fontRef idx="minor">
+            <a:schemeClr val="tx1"/>
+          </a:fontRef>
+        </p:style>
+        <p:txBody>
+          <a:bodyPr rtlCol="0" anchor="ctr"/>
+          <a:lstStyle/>
+          <a:p>
+            <a:pPr algn="ctr"/>
+            <a:endParaRPr lang="de-DE" sz="1400">
+              <a:latin typeface="Arial" pitchFamily="34" charset="0"/>
+              <a:cs typeface="Arial" pitchFamily="34" charset="0"/>
+            </a:endParaRPr>
+          </a:p>
+        </p:txBody>
+      </p:sp>
+      <p:cxnSp>
+        <p:nvCxnSpPr>
+          <p:cNvPr id="5" name="Gerade Verbindung mit Pfeil 4"/>
+          <p:cNvCxnSpPr/>
+          <p:nvPr/>
+        </p:nvCxnSpPr>
+        <p:spPr>
+          <a:xfrm flipV="1">
+            <a:off x="2842204" y="1759328"/>
+            <a:ext cx="0" cy="1296144"/>
+          </a:xfrm>
+          <a:prstGeom prst="straightConnector1">
+            <a:avLst/>
+          </a:prstGeom>
+          <a:ln w="9525">
+            <a:solidFill>
+              <a:schemeClr val="tx1"/>
+            </a:solidFill>
+            <a:tailEnd type="arrow"/>
+          </a:ln>
+        </p:spPr>
+        <p:style>
+          <a:lnRef idx="1">
+            <a:schemeClr val="accent1"/>
+          </a:lnRef>
+          <a:fillRef idx="0">
+            <a:schemeClr val="accent1"/>
+          </a:fillRef>
+          <a:effectRef idx="0">
+            <a:schemeClr val="accent1"/>
+          </a:effectRef>
+          <a:fontRef idx="minor">
+            <a:schemeClr val="tx1"/>
+          </a:fontRef>
+        </p:style>
+      </p:cxnSp>
+      <p:cxnSp>
+        <p:nvCxnSpPr>
+          <p:cNvPr id="7" name="Gerade Verbindung mit Pfeil 6"/>
+          <p:cNvCxnSpPr/>
+          <p:nvPr/>
+        </p:nvCxnSpPr>
+        <p:spPr>
+          <a:xfrm>
+            <a:off x="2842204" y="3055472"/>
+            <a:ext cx="1368152" cy="0"/>
+          </a:xfrm>
+          <a:prstGeom prst="straightConnector1">
+            <a:avLst/>
+          </a:prstGeom>
+          <a:ln w="9525">
+            <a:solidFill>
+              <a:schemeClr val="tx1"/>
+            </a:solidFill>
+            <a:tailEnd type="arrow"/>
+          </a:ln>
+        </p:spPr>
+        <p:style>
+          <a:lnRef idx="1">
+            <a:schemeClr val="accent1"/>
+          </a:lnRef>
+          <a:fillRef idx="0">
+            <a:schemeClr val="accent1"/>
+          </a:fillRef>
+          <a:effectRef idx="0">
+            <a:schemeClr val="accent1"/>
+          </a:effectRef>
+          <a:fontRef idx="minor">
+            <a:schemeClr val="tx1"/>
+          </a:fontRef>
+        </p:style>
+      </p:cxnSp>
+      <p:grpSp>
+        <p:nvGrpSpPr>
+          <p:cNvPr id="2" name="Gruppieren 11"/>
+          <p:cNvGrpSpPr>
+            <a:grpSpLocks noChangeAspect="1"/>
+          </p:cNvGrpSpPr>
+          <p:nvPr/>
+        </p:nvGrpSpPr>
+        <p:grpSpPr>
+          <a:xfrm>
+            <a:off x="3058228" y="2047360"/>
+            <a:ext cx="936104" cy="798634"/>
+            <a:chOff x="3707904" y="1789432"/>
+            <a:chExt cx="1584176" cy="1351536"/>
+          </a:xfrm>
+        </p:grpSpPr>
+        <p:sp>
+          <p:nvSpPr>
+            <p:cNvPr id="8" name="Ellipse 7"/>
+            <p:cNvSpPr/>
+            <p:nvPr/>
+          </p:nvSpPr>
+          <p:spPr>
+            <a:xfrm>
+              <a:off x="3707904" y="2492896"/>
+              <a:ext cx="648072" cy="648072"/>
+            </a:xfrm>
+            <a:prstGeom prst="ellipse">
+              <a:avLst/>
+            </a:prstGeom>
+            <a:solidFill>
+              <a:srgbClr val="FF0000">
+                <a:alpha val="50000"/>
+              </a:srgbClr>
+            </a:solidFill>
+            <a:ln>
+              <a:noFill/>
+            </a:ln>
+          </p:spPr>
+          <p:style>
+            <a:lnRef idx="2">
+              <a:schemeClr val="accent1">
+                <a:shade val="50000"/>
+              </a:schemeClr>
+            </a:lnRef>
+            <a:fillRef idx="1">
+              <a:schemeClr val="accent1"/>
+            </a:fillRef>
+            <a:effectRef idx="0">
+              <a:schemeClr val="accent1"/>
+            </a:effectRef>
+            <a:fontRef idx="minor">
+              <a:schemeClr val="lt1"/>
+            </a:fontRef>
+          </p:style>
+          <p:txBody>
+            <a:bodyPr rtlCol="0" anchor="ctr"/>
+            <a:lstStyle/>
+            <a:p>
+              <a:pPr algn="ctr"/>
+              <a:endParaRPr lang="de-DE" sz="1400">
+                <a:latin typeface="Arial" pitchFamily="34" charset="0"/>
+                <a:cs typeface="Arial" pitchFamily="34" charset="0"/>
+              </a:endParaRPr>
+            </a:p>
+          </p:txBody>
+        </p:sp>
+        <p:sp>
+          <p:nvSpPr>
+            <p:cNvPr id="9" name="Ellipse 8"/>
+            <p:cNvSpPr/>
+            <p:nvPr/>
+          </p:nvSpPr>
+          <p:spPr>
+            <a:xfrm>
+              <a:off x="4644007" y="1789432"/>
+              <a:ext cx="648073" cy="648073"/>
+            </a:xfrm>
+            <a:prstGeom prst="ellipse">
+              <a:avLst/>
+            </a:prstGeom>
+            <a:solidFill>
+              <a:srgbClr val="0070C0">
+                <a:alpha val="50000"/>
+              </a:srgbClr>
+            </a:solidFill>
+            <a:ln>
+              <a:noFill/>
+            </a:ln>
+          </p:spPr>
+          <p:style>
+            <a:lnRef idx="2">
+              <a:schemeClr val="accent1">
+                <a:shade val="50000"/>
+              </a:schemeClr>
+            </a:lnRef>
+            <a:fillRef idx="1">
+              <a:schemeClr val="accent1"/>
+            </a:fillRef>
+            <a:effectRef idx="0">
+              <a:schemeClr val="accent1"/>
+            </a:effectRef>
+            <a:fontRef idx="minor">
+              <a:schemeClr val="lt1"/>
+            </a:fontRef>
+          </p:style>
+          <p:txBody>
+            <a:bodyPr rtlCol="0" anchor="ctr"/>
+            <a:lstStyle/>
+            <a:p>
+              <a:pPr algn="ctr"/>
+              <a:endParaRPr lang="de-DE" sz="1400">
+                <a:latin typeface="Arial" pitchFamily="34" charset="0"/>
+                <a:cs typeface="Arial" pitchFamily="34" charset="0"/>
+              </a:endParaRPr>
+            </a:p>
+          </p:txBody>
+        </p:sp>
+        <p:sp>
+          <p:nvSpPr>
+            <p:cNvPr id="10" name="Ellipse 9"/>
+            <p:cNvSpPr/>
+            <p:nvPr/>
+          </p:nvSpPr>
+          <p:spPr>
+            <a:xfrm>
+              <a:off x="3851920" y="2636912"/>
+              <a:ext cx="368424" cy="368424"/>
+            </a:xfrm>
+            <a:prstGeom prst="ellipse">
+              <a:avLst/>
+            </a:prstGeom>
+            <a:solidFill>
+              <a:srgbClr val="FF0000"/>
+            </a:solidFill>
+            <a:ln>
+              <a:noFill/>
+            </a:ln>
+          </p:spPr>
+          <p:style>
+            <a:lnRef idx="2">
+              <a:schemeClr val="accent1">
+                <a:shade val="50000"/>
+              </a:schemeClr>
+            </a:lnRef>
+            <a:fillRef idx="1">
+              <a:schemeClr val="accent1"/>
+            </a:fillRef>
+            <a:effectRef idx="0">
+              <a:schemeClr val="accent1"/>
+            </a:effectRef>
+            <a:fontRef idx="minor">
+              <a:schemeClr val="lt1"/>
+            </a:fontRef>
+          </p:style>
+          <p:txBody>
+            <a:bodyPr rtlCol="0" anchor="ctr"/>
+            <a:lstStyle/>
+            <a:p>
+              <a:pPr algn="ctr"/>
+              <a:endParaRPr lang="de-DE" sz="1400">
+                <a:latin typeface="Arial" pitchFamily="34" charset="0"/>
+                <a:cs typeface="Arial" pitchFamily="34" charset="0"/>
+              </a:endParaRPr>
+            </a:p>
+          </p:txBody>
+        </p:sp>
+        <p:sp>
+          <p:nvSpPr>
+            <p:cNvPr id="11" name="Ellipse 10"/>
+            <p:cNvSpPr/>
+            <p:nvPr/>
+          </p:nvSpPr>
+          <p:spPr>
+            <a:xfrm>
+              <a:off x="4788024" y="1933448"/>
+              <a:ext cx="368424" cy="368424"/>
+            </a:xfrm>
+            <a:prstGeom prst="ellipse">
+              <a:avLst/>
+            </a:prstGeom>
+            <a:solidFill>
+              <a:srgbClr val="0070C0"/>
+            </a:solidFill>
+            <a:ln>
+              <a:noFill/>
+            </a:ln>
+          </p:spPr>
+          <p:style>
+            <a:lnRef idx="2">
+              <a:schemeClr val="accent1">
+                <a:shade val="50000"/>
+              </a:schemeClr>
+            </a:lnRef>
+            <a:fillRef idx="1">
+              <a:schemeClr val="accent1"/>
+            </a:fillRef>
+            <a:effectRef idx="0">
+              <a:schemeClr val="accent1"/>
+            </a:effectRef>
+            <a:fontRef idx="minor">
+              <a:schemeClr val="lt1"/>
+            </a:fontRef>
+          </p:style>
+          <p:txBody>
+            <a:bodyPr rtlCol="0" anchor="ctr"/>
+            <a:lstStyle/>
+            <a:p>
+              <a:pPr algn="ctr"/>
+              <a:endParaRPr lang="de-DE" sz="1400">
+                <a:latin typeface="Arial" pitchFamily="34" charset="0"/>
+                <a:cs typeface="Arial" pitchFamily="34" charset="0"/>
+              </a:endParaRPr>
+            </a:p>
+          </p:txBody>
+        </p:sp>
+      </p:grpSp>
+      <p:cxnSp>
+        <p:nvCxnSpPr>
+          <p:cNvPr id="18" name="Gerade Verbindung 17"/>
+          <p:cNvCxnSpPr/>
+          <p:nvPr/>
+        </p:nvCxnSpPr>
+        <p:spPr>
+          <a:xfrm>
+            <a:off x="3081536" y="1897624"/>
+            <a:ext cx="835636" cy="1026712"/>
+          </a:xfrm>
+          <a:prstGeom prst="line">
+            <a:avLst/>
+          </a:prstGeom>
+          <a:ln>
+            <a:solidFill>
+              <a:schemeClr val="tx1"/>
+            </a:solidFill>
+            <a:prstDash val="dash"/>
+          </a:ln>
+        </p:spPr>
+        <p:style>
+          <a:lnRef idx="1">
+            <a:schemeClr val="accent1"/>
+          </a:lnRef>
+          <a:fillRef idx="0">
+            <a:schemeClr val="accent1"/>
+          </a:fillRef>
+          <a:effectRef idx="0">
+            <a:schemeClr val="accent1"/>
+          </a:effectRef>
+          <a:fontRef idx="minor">
+            <a:schemeClr val="tx1"/>
+          </a:fontRef>
+        </p:style>
+      </p:cxnSp>
+      <p:sp>
+        <p:nvSpPr>
+          <p:cNvPr id="19" name="Textfeld 18"/>
+          <p:cNvSpPr txBox="1"/>
+          <p:nvPr/>
+        </p:nvSpPr>
+        <p:spPr>
+          <a:xfrm>
+            <a:off x="2502046" y="1615312"/>
+            <a:ext cx="293670" cy="261610"/>
+          </a:xfrm>
+          <a:prstGeom prst="rect">
+            <a:avLst/>
+          </a:prstGeom>
+          <a:noFill/>
+        </p:spPr>
+        <p:txBody>
+          <a:bodyPr wrap="none" rtlCol="0">
+            <a:spAutoFit/>
+          </a:bodyPr>
+          <a:lstStyle/>
+          <a:p>
+            <a:r>
+              <a:rPr lang="de-DE" sz="1100" i="1" dirty="0" smtClean="0">
+                <a:latin typeface="Arial" pitchFamily="34" charset="0"/>
+                <a:cs typeface="Arial" pitchFamily="34" charset="0"/>
+              </a:rPr>
+              <a:t>Q</a:t>
+            </a:r>
+            <a:endParaRPr lang="de-DE" sz="1100" i="1" dirty="0">
+              <a:latin typeface="Arial" pitchFamily="34" charset="0"/>
+              <a:cs typeface="Arial" pitchFamily="34" charset="0"/>
+            </a:endParaRPr>
+          </a:p>
+        </p:txBody>
+      </p:sp>
+      <p:sp>
+        <p:nvSpPr>
+          <p:cNvPr id="20" name="Textfeld 19"/>
+          <p:cNvSpPr txBox="1"/>
+          <p:nvPr/>
+        </p:nvSpPr>
+        <p:spPr>
+          <a:xfrm>
+            <a:off x="4039990" y="3055472"/>
+            <a:ext cx="223138" cy="261610"/>
+          </a:xfrm>
+          <a:prstGeom prst="rect">
+            <a:avLst/>
+          </a:prstGeom>
+          <a:noFill/>
+        </p:spPr>
+        <p:txBody>
+          <a:bodyPr wrap="none" rtlCol="0">
+            <a:spAutoFit/>
+          </a:bodyPr>
+          <a:lstStyle/>
+          <a:p>
+            <a:r>
+              <a:rPr lang="de-DE" sz="1100" i="1" dirty="0" smtClean="0">
+                <a:latin typeface="Arial" pitchFamily="34" charset="0"/>
+                <a:cs typeface="Arial" pitchFamily="34" charset="0"/>
+              </a:rPr>
+              <a:t>I</a:t>
+            </a:r>
+            <a:endParaRPr lang="de-DE" sz="1100" i="1" dirty="0">
+              <a:latin typeface="Arial" pitchFamily="34" charset="0"/>
+              <a:cs typeface="Arial" pitchFamily="34" charset="0"/>
+            </a:endParaRPr>
+          </a:p>
+        </p:txBody>
+      </p:sp>
+      <p:sp>
+        <p:nvSpPr>
+          <p:cNvPr id="21" name="Textfeld 20"/>
+          <p:cNvSpPr txBox="1"/>
+          <p:nvPr/>
+        </p:nvSpPr>
+        <p:spPr>
+          <a:xfrm>
+            <a:off x="3336735" y="2717750"/>
+            <a:ext cx="287258" cy="261610"/>
+          </a:xfrm>
+          <a:prstGeom prst="rect">
+            <a:avLst/>
+          </a:prstGeom>
+          <a:noFill/>
+        </p:spPr>
+        <p:txBody>
+          <a:bodyPr wrap="none" rtlCol="0">
+            <a:spAutoFit/>
+          </a:bodyPr>
+          <a:lstStyle/>
+          <a:p>
+            <a:r>
+              <a:rPr lang="de-DE" sz="1100" i="1" dirty="0" smtClean="0">
+                <a:latin typeface="Arial" pitchFamily="34" charset="0"/>
+                <a:cs typeface="Arial" pitchFamily="34" charset="0"/>
+              </a:rPr>
+              <a:t>H</a:t>
+            </a:r>
+            <a:endParaRPr lang="de-DE" sz="1100" i="1" dirty="0">
+              <a:latin typeface="Arial" pitchFamily="34" charset="0"/>
+              <a:cs typeface="Arial" pitchFamily="34" charset="0"/>
+            </a:endParaRPr>
+          </a:p>
+        </p:txBody>
+      </p:sp>
+      <p:sp>
+        <p:nvSpPr>
+          <p:cNvPr id="22" name="Textfeld 21"/>
+          <p:cNvSpPr txBox="1"/>
+          <p:nvPr/>
+        </p:nvSpPr>
+        <p:spPr>
+          <a:xfrm>
+            <a:off x="3922324" y="1831336"/>
+            <a:ext cx="263214" cy="261610"/>
+          </a:xfrm>
+          <a:prstGeom prst="rect">
+            <a:avLst/>
+          </a:prstGeom>
+          <a:noFill/>
+        </p:spPr>
+        <p:txBody>
+          <a:bodyPr wrap="none" rtlCol="0">
+            <a:spAutoFit/>
+          </a:bodyPr>
+          <a:lstStyle/>
+          <a:p>
+            <a:r>
+              <a:rPr lang="de-DE" sz="1100" i="1" dirty="0">
+                <a:latin typeface="Arial" pitchFamily="34" charset="0"/>
+                <a:cs typeface="Arial" pitchFamily="34" charset="0"/>
+              </a:rPr>
+              <a:t>L</a:t>
+            </a:r>
+          </a:p>
+        </p:txBody>
+      </p:sp>
+      <p:cxnSp>
+        <p:nvCxnSpPr>
+          <p:cNvPr id="24" name="Gerade Verbindung mit Pfeil 23"/>
+          <p:cNvCxnSpPr/>
+          <p:nvPr/>
+        </p:nvCxnSpPr>
+        <p:spPr>
+          <a:xfrm>
+            <a:off x="4974788" y="3073027"/>
+            <a:ext cx="1368152" cy="0"/>
+          </a:xfrm>
+          <a:prstGeom prst="straightConnector1">
+            <a:avLst/>
+          </a:prstGeom>
+          <a:ln>
+            <a:solidFill>
+              <a:schemeClr val="tx1"/>
+            </a:solidFill>
+            <a:tailEnd type="arrow"/>
+          </a:ln>
+        </p:spPr>
+        <p:style>
+          <a:lnRef idx="1">
+            <a:schemeClr val="accent1"/>
+          </a:lnRef>
+          <a:fillRef idx="0">
+            <a:schemeClr val="accent1"/>
+          </a:fillRef>
+          <a:effectRef idx="0">
+            <a:schemeClr val="accent1"/>
+          </a:effectRef>
+          <a:fontRef idx="minor">
+            <a:schemeClr val="tx1"/>
+          </a:fontRef>
+        </p:style>
+      </p:cxnSp>
+      <p:sp>
+        <p:nvSpPr>
+          <p:cNvPr id="25" name="Rechteck 24"/>
+          <p:cNvSpPr/>
+          <p:nvPr/>
+        </p:nvSpPr>
+        <p:spPr>
+          <a:xfrm>
+            <a:off x="5038284" y="2805552"/>
+            <a:ext cx="51370" cy="272238"/>
+          </a:xfrm>
+          <a:prstGeom prst="rect">
+            <a:avLst/>
+          </a:prstGeom>
+          <a:solidFill>
+            <a:srgbClr val="FF0000"/>
+          </a:solidFill>
+          <a:ln>
+            <a:noFill/>
+          </a:ln>
+        </p:spPr>
+        <p:style>
+          <a:lnRef idx="2">
+            <a:schemeClr val="accent1">
+              <a:shade val="50000"/>
+            </a:schemeClr>
+          </a:lnRef>
+          <a:fillRef idx="1">
+            <a:schemeClr val="accent1"/>
+          </a:fillRef>
+          <a:effectRef idx="0">
+            <a:schemeClr val="accent1"/>
+          </a:effectRef>
+          <a:fontRef idx="minor">
+            <a:schemeClr val="lt1"/>
+          </a:fontRef>
+        </p:style>
+        <p:txBody>
+          <a:bodyPr rtlCol="0" anchor="ctr"/>
+          <a:lstStyle/>
+          <a:p>
+            <a:pPr algn="ctr"/>
+            <a:endParaRPr lang="de-DE" sz="1400">
+              <a:latin typeface="Arial" pitchFamily="34" charset="0"/>
+              <a:cs typeface="Arial" pitchFamily="34" charset="0"/>
+            </a:endParaRPr>
+          </a:p>
+        </p:txBody>
+      </p:sp>
+      <p:sp>
+        <p:nvSpPr>
+          <p:cNvPr id="26" name="Rechteck 25"/>
+          <p:cNvSpPr/>
+          <p:nvPr/>
+        </p:nvSpPr>
+        <p:spPr>
+          <a:xfrm>
+            <a:off x="5110292" y="2533315"/>
+            <a:ext cx="51370" cy="544475"/>
+          </a:xfrm>
+          <a:prstGeom prst="rect">
+            <a:avLst/>
+          </a:prstGeom>
+          <a:solidFill>
+            <a:srgbClr val="FF0000"/>
+          </a:solidFill>
+          <a:ln>
+            <a:noFill/>
+          </a:ln>
+        </p:spPr>
+        <p:style>
+          <a:lnRef idx="2">
+            <a:schemeClr val="accent1">
+              <a:shade val="50000"/>
+            </a:schemeClr>
+          </a:lnRef>
+          <a:fillRef idx="1">
+            <a:schemeClr val="accent1"/>
+          </a:fillRef>
+          <a:effectRef idx="0">
+            <a:schemeClr val="accent1"/>
+          </a:effectRef>
+          <a:fontRef idx="minor">
+            <a:schemeClr val="lt1"/>
+          </a:fontRef>
+        </p:style>
+        <p:txBody>
+          <a:bodyPr rtlCol="0" anchor="ctr"/>
+          <a:lstStyle/>
+          <a:p>
+            <a:pPr algn="ctr"/>
+            <a:endParaRPr lang="de-DE" sz="1400">
+              <a:latin typeface="Arial" pitchFamily="34" charset="0"/>
+              <a:cs typeface="Arial" pitchFamily="34" charset="0"/>
+            </a:endParaRPr>
+          </a:p>
+        </p:txBody>
+      </p:sp>
+      <p:sp>
+        <p:nvSpPr>
+          <p:cNvPr id="27" name="Rechteck 26"/>
+          <p:cNvSpPr/>
+          <p:nvPr/>
+        </p:nvSpPr>
+        <p:spPr>
+          <a:xfrm>
+            <a:off x="5254308" y="2397196"/>
+            <a:ext cx="51370" cy="680594"/>
+          </a:xfrm>
+          <a:prstGeom prst="rect">
+            <a:avLst/>
+          </a:prstGeom>
+          <a:solidFill>
+            <a:srgbClr val="FF0000"/>
+          </a:solidFill>
+          <a:ln>
+            <a:noFill/>
+          </a:ln>
+        </p:spPr>
+        <p:style>
+          <a:lnRef idx="2">
+            <a:schemeClr val="accent1">
+              <a:shade val="50000"/>
+            </a:schemeClr>
+          </a:lnRef>
+          <a:fillRef idx="1">
+            <a:schemeClr val="accent1"/>
+          </a:fillRef>
+          <a:effectRef idx="0">
+            <a:schemeClr val="accent1"/>
+          </a:effectRef>
+          <a:fontRef idx="minor">
+            <a:schemeClr val="lt1"/>
+          </a:fontRef>
+        </p:style>
+        <p:txBody>
+          <a:bodyPr rtlCol="0" anchor="ctr"/>
+          <a:lstStyle/>
+          <a:p>
+            <a:pPr algn="ctr"/>
+            <a:endParaRPr lang="de-DE" sz="1400">
+              <a:latin typeface="Arial" pitchFamily="34" charset="0"/>
+              <a:cs typeface="Arial" pitchFamily="34" charset="0"/>
+            </a:endParaRPr>
+          </a:p>
+        </p:txBody>
+      </p:sp>
+      <p:sp>
+        <p:nvSpPr>
+          <p:cNvPr id="28" name="Rechteck 27"/>
+          <p:cNvSpPr/>
+          <p:nvPr/>
+        </p:nvSpPr>
+        <p:spPr>
+          <a:xfrm>
+            <a:off x="5182300" y="1988840"/>
+            <a:ext cx="51370" cy="1088950"/>
+          </a:xfrm>
+          <a:prstGeom prst="rect">
+            <a:avLst/>
+          </a:prstGeom>
+          <a:solidFill>
+            <a:srgbClr val="FF0000"/>
+          </a:solidFill>
+          <a:ln>
+            <a:noFill/>
+          </a:ln>
+        </p:spPr>
+        <p:style>
+          <a:lnRef idx="2">
+            <a:schemeClr val="accent1">
+              <a:shade val="50000"/>
+            </a:schemeClr>
+          </a:lnRef>
+          <a:fillRef idx="1">
+            <a:schemeClr val="accent1"/>
+          </a:fillRef>
+          <a:effectRef idx="0">
+            <a:schemeClr val="accent1"/>
+          </a:effectRef>
+          <a:fontRef idx="minor">
+            <a:schemeClr val="lt1"/>
+          </a:fontRef>
+        </p:style>
+        <p:txBody>
+          <a:bodyPr rtlCol="0" anchor="ctr"/>
+          <a:lstStyle/>
+          <a:p>
+            <a:pPr algn="ctr"/>
+            <a:endParaRPr lang="de-DE" sz="1400">
+              <a:latin typeface="Arial" pitchFamily="34" charset="0"/>
+              <a:cs typeface="Arial" pitchFamily="34" charset="0"/>
+            </a:endParaRPr>
+          </a:p>
+        </p:txBody>
+      </p:sp>
+      <p:sp>
+        <p:nvSpPr>
+          <p:cNvPr id="30" name="Rechteck 29"/>
+          <p:cNvSpPr/>
+          <p:nvPr/>
+        </p:nvSpPr>
+        <p:spPr>
+          <a:xfrm>
+            <a:off x="5326316" y="2941671"/>
+            <a:ext cx="51370" cy="136119"/>
+          </a:xfrm>
+          <a:prstGeom prst="rect">
+            <a:avLst/>
+          </a:prstGeom>
+          <a:solidFill>
+            <a:srgbClr val="FF0000"/>
+          </a:solidFill>
+          <a:ln>
+            <a:noFill/>
+          </a:ln>
+        </p:spPr>
+        <p:style>
+          <a:lnRef idx="2">
+            <a:schemeClr val="accent1">
+              <a:shade val="50000"/>
+            </a:schemeClr>
+          </a:lnRef>
+          <a:fillRef idx="1">
+            <a:schemeClr val="accent1"/>
+          </a:fillRef>
+          <a:effectRef idx="0">
+            <a:schemeClr val="accent1"/>
+          </a:effectRef>
+          <a:fontRef idx="minor">
+            <a:schemeClr val="lt1"/>
+          </a:fontRef>
+        </p:style>
+        <p:txBody>
+          <a:bodyPr rtlCol="0" anchor="ctr"/>
+          <a:lstStyle/>
+          <a:p>
+            <a:pPr algn="ctr"/>
+            <a:endParaRPr lang="de-DE" sz="1400">
+              <a:latin typeface="Arial" pitchFamily="34" charset="0"/>
+              <a:cs typeface="Arial" pitchFamily="34" charset="0"/>
+            </a:endParaRPr>
+          </a:p>
+        </p:txBody>
+      </p:sp>
+      <p:sp>
+        <p:nvSpPr>
+          <p:cNvPr id="31" name="Rechteck 30"/>
+          <p:cNvSpPr/>
+          <p:nvPr/>
+        </p:nvSpPr>
+        <p:spPr>
+          <a:xfrm>
+            <a:off x="5830372" y="2787550"/>
+            <a:ext cx="51370" cy="290240"/>
+          </a:xfrm>
+          <a:prstGeom prst="rect">
+            <a:avLst/>
+          </a:prstGeom>
+          <a:ln>
+            <a:noFill/>
+          </a:ln>
+        </p:spPr>
+        <p:style>
+          <a:lnRef idx="2">
+            <a:schemeClr val="accent1">
+              <a:shade val="50000"/>
+            </a:schemeClr>
+          </a:lnRef>
+          <a:fillRef idx="1">
+            <a:schemeClr val="accent1"/>
+          </a:fillRef>
+          <a:effectRef idx="0">
+            <a:schemeClr val="accent1"/>
+          </a:effectRef>
+          <a:fontRef idx="minor">
+            <a:schemeClr val="lt1"/>
+          </a:fontRef>
+        </p:style>
+        <p:txBody>
+          <a:bodyPr rtlCol="0" anchor="ctr"/>
+          <a:lstStyle/>
+          <a:p>
+            <a:pPr algn="ctr"/>
+            <a:endParaRPr lang="de-DE" sz="1400">
+              <a:latin typeface="Arial" pitchFamily="34" charset="0"/>
+              <a:cs typeface="Arial" pitchFamily="34" charset="0"/>
+            </a:endParaRPr>
+          </a:p>
+        </p:txBody>
+      </p:sp>
+      <p:sp>
+        <p:nvSpPr>
+          <p:cNvPr id="32" name="Rechteck 31"/>
+          <p:cNvSpPr/>
+          <p:nvPr/>
+        </p:nvSpPr>
+        <p:spPr>
+          <a:xfrm>
+            <a:off x="5902380" y="2207071"/>
+            <a:ext cx="51370" cy="870719"/>
+          </a:xfrm>
+          <a:prstGeom prst="rect">
+            <a:avLst/>
+          </a:prstGeom>
+          <a:ln>
+            <a:noFill/>
+          </a:ln>
+        </p:spPr>
+        <p:style>
+          <a:lnRef idx="2">
+            <a:schemeClr val="accent1">
+              <a:shade val="50000"/>
+            </a:schemeClr>
+          </a:lnRef>
+          <a:fillRef idx="1">
+            <a:schemeClr val="accent1"/>
+          </a:fillRef>
+          <a:effectRef idx="0">
+            <a:schemeClr val="accent1"/>
+          </a:effectRef>
+          <a:fontRef idx="minor">
+            <a:schemeClr val="lt1"/>
+          </a:fontRef>
+        </p:style>
+        <p:txBody>
+          <a:bodyPr rtlCol="0" anchor="ctr"/>
+          <a:lstStyle/>
+          <a:p>
+            <a:pPr algn="ctr"/>
+            <a:endParaRPr lang="de-DE" sz="1400">
+              <a:latin typeface="Arial" pitchFamily="34" charset="0"/>
+              <a:cs typeface="Arial" pitchFamily="34" charset="0"/>
+            </a:endParaRPr>
+          </a:p>
+        </p:txBody>
+      </p:sp>
+      <p:sp>
+        <p:nvSpPr>
+          <p:cNvPr id="33" name="Rechteck 32"/>
+          <p:cNvSpPr/>
+          <p:nvPr/>
+        </p:nvSpPr>
+        <p:spPr>
+          <a:xfrm>
+            <a:off x="5974388" y="1916832"/>
+            <a:ext cx="51370" cy="1160958"/>
+          </a:xfrm>
+          <a:prstGeom prst="rect">
+            <a:avLst/>
+          </a:prstGeom>
+          <a:ln>
+            <a:noFill/>
+          </a:ln>
+        </p:spPr>
+        <p:style>
+          <a:lnRef idx="2">
+            <a:schemeClr val="accent1">
+              <a:shade val="50000"/>
+            </a:schemeClr>
+          </a:lnRef>
+          <a:fillRef idx="1">
+            <a:schemeClr val="accent1"/>
+          </a:fillRef>
+          <a:effectRef idx="0">
+            <a:schemeClr val="accent1"/>
+          </a:effectRef>
+          <a:fontRef idx="minor">
+            <a:schemeClr val="lt1"/>
+          </a:fontRef>
+        </p:style>
+        <p:txBody>
+          <a:bodyPr rtlCol="0" anchor="ctr"/>
+          <a:lstStyle/>
+          <a:p>
+            <a:pPr algn="ctr"/>
+            <a:endParaRPr lang="de-DE" sz="1400">
+              <a:latin typeface="Arial" pitchFamily="34" charset="0"/>
+              <a:cs typeface="Arial" pitchFamily="34" charset="0"/>
+            </a:endParaRPr>
+          </a:p>
+        </p:txBody>
+      </p:sp>
+      <p:sp>
+        <p:nvSpPr>
+          <p:cNvPr id="34" name="Rechteck 33"/>
+          <p:cNvSpPr/>
+          <p:nvPr/>
+        </p:nvSpPr>
+        <p:spPr>
+          <a:xfrm>
+            <a:off x="6046396" y="2642431"/>
+            <a:ext cx="51370" cy="435359"/>
+          </a:xfrm>
+          <a:prstGeom prst="rect">
+            <a:avLst/>
+          </a:prstGeom>
+          <a:ln>
+            <a:noFill/>
+          </a:ln>
+        </p:spPr>
+        <p:style>
+          <a:lnRef idx="2">
+            <a:schemeClr val="accent1">
+              <a:shade val="50000"/>
+            </a:schemeClr>
+          </a:lnRef>
+          <a:fillRef idx="1">
+            <a:schemeClr val="accent1"/>
+          </a:fillRef>
+          <a:effectRef idx="0">
+            <a:schemeClr val="accent1"/>
+          </a:effectRef>
+          <a:fontRef idx="minor">
+            <a:schemeClr val="lt1"/>
+          </a:fontRef>
+        </p:style>
+        <p:txBody>
+          <a:bodyPr rtlCol="0" anchor="ctr"/>
+          <a:lstStyle/>
+          <a:p>
+            <a:pPr algn="ctr"/>
+            <a:endParaRPr lang="de-DE" sz="1400">
+              <a:latin typeface="Arial" pitchFamily="34" charset="0"/>
+              <a:cs typeface="Arial" pitchFamily="34" charset="0"/>
+            </a:endParaRPr>
+          </a:p>
+        </p:txBody>
+      </p:sp>
+      <p:sp>
+        <p:nvSpPr>
+          <p:cNvPr id="35" name="Rechteck 34"/>
+          <p:cNvSpPr/>
+          <p:nvPr/>
+        </p:nvSpPr>
+        <p:spPr>
+          <a:xfrm>
+            <a:off x="6118404" y="2932670"/>
+            <a:ext cx="51370" cy="145120"/>
+          </a:xfrm>
+          <a:prstGeom prst="rect">
+            <a:avLst/>
+          </a:prstGeom>
+          <a:ln>
+            <a:noFill/>
+          </a:ln>
+        </p:spPr>
+        <p:style>
+          <a:lnRef idx="2">
+            <a:schemeClr val="accent1">
+              <a:shade val="50000"/>
+            </a:schemeClr>
+          </a:lnRef>
+          <a:fillRef idx="1">
+            <a:schemeClr val="accent1"/>
+          </a:fillRef>
+          <a:effectRef idx="0">
+            <a:schemeClr val="accent1"/>
+          </a:effectRef>
+          <a:fontRef idx="minor">
+            <a:schemeClr val="lt1"/>
+          </a:fontRef>
+        </p:style>
+        <p:txBody>
+          <a:bodyPr rtlCol="0" anchor="ctr"/>
+          <a:lstStyle/>
+          <a:p>
+            <a:pPr algn="ctr"/>
+            <a:endParaRPr lang="de-DE" sz="1400">
+              <a:latin typeface="Arial" pitchFamily="34" charset="0"/>
+              <a:cs typeface="Arial" pitchFamily="34" charset="0"/>
+            </a:endParaRPr>
+          </a:p>
+        </p:txBody>
+      </p:sp>
+      <p:cxnSp>
+        <p:nvCxnSpPr>
+          <p:cNvPr id="36" name="Gerade Verbindung 35"/>
+          <p:cNvCxnSpPr/>
+          <p:nvPr/>
+        </p:nvCxnSpPr>
+        <p:spPr>
+          <a:xfrm>
+            <a:off x="5595298" y="1772816"/>
+            <a:ext cx="0" cy="1296144"/>
+          </a:xfrm>
+          <a:prstGeom prst="line">
+            <a:avLst/>
+          </a:prstGeom>
+          <a:ln>
+            <a:solidFill>
+              <a:schemeClr val="tx1"/>
+            </a:solidFill>
+            <a:prstDash val="dash"/>
+          </a:ln>
+        </p:spPr>
+        <p:style>
+          <a:lnRef idx="1">
+            <a:schemeClr val="accent1"/>
+          </a:lnRef>
+          <a:fillRef idx="0">
+            <a:schemeClr val="accent1"/>
+          </a:fillRef>
+          <a:effectRef idx="0">
+            <a:schemeClr val="accent1"/>
+          </a:effectRef>
+          <a:fontRef idx="minor">
+            <a:schemeClr val="tx1"/>
+          </a:fontRef>
+        </p:style>
+      </p:cxnSp>
+      <p:sp>
+        <p:nvSpPr>
+          <p:cNvPr id="38" name="Textfeld 37"/>
+          <p:cNvSpPr txBox="1"/>
+          <p:nvPr/>
+        </p:nvSpPr>
+        <p:spPr>
+          <a:xfrm>
+            <a:off x="6103099" y="3106365"/>
+            <a:ext cx="330540" cy="338554"/>
+          </a:xfrm>
+          <a:prstGeom prst="rect">
+            <a:avLst/>
+          </a:prstGeom>
+          <a:noFill/>
+        </p:spPr>
+        <p:txBody>
+          <a:bodyPr wrap="none" rtlCol="0">
+            <a:spAutoFit/>
+          </a:bodyPr>
+          <a:lstStyle/>
+          <a:p>
+            <a:r>
+              <a:rPr lang="de-DE" sz="1600" i="1" dirty="0" smtClean="0">
+                <a:latin typeface="Arial" pitchFamily="34" charset="0"/>
+                <a:cs typeface="Arial" pitchFamily="34" charset="0"/>
+              </a:rPr>
+              <a:t>┴</a:t>
+            </a:r>
+            <a:endParaRPr lang="de-DE" sz="1600" i="1" baseline="-25000" dirty="0">
+              <a:latin typeface="Arial" pitchFamily="34" charset="0"/>
+              <a:cs typeface="Arial" pitchFamily="34" charset="0"/>
+            </a:endParaRPr>
+          </a:p>
+        </p:txBody>
+      </p:sp>
+      <p:cxnSp>
+        <p:nvCxnSpPr>
+          <p:cNvPr id="39" name="Gerade Verbindung mit Pfeil 38"/>
+          <p:cNvCxnSpPr/>
+          <p:nvPr/>
+        </p:nvCxnSpPr>
+        <p:spPr>
+          <a:xfrm flipV="1">
+            <a:off x="4966276" y="1700809"/>
+            <a:ext cx="0" cy="1368151"/>
+          </a:xfrm>
+          <a:prstGeom prst="straightConnector1">
+            <a:avLst/>
+          </a:prstGeom>
+          <a:ln w="9525">
+            <a:solidFill>
+              <a:schemeClr val="tx1"/>
+            </a:solidFill>
+            <a:tailEnd type="arrow"/>
+          </a:ln>
+        </p:spPr>
+        <p:style>
+          <a:lnRef idx="1">
+            <a:schemeClr val="accent1"/>
+          </a:lnRef>
+          <a:fillRef idx="0">
+            <a:schemeClr val="accent1"/>
+          </a:fillRef>
+          <a:effectRef idx="0">
+            <a:schemeClr val="accent1"/>
+          </a:effectRef>
+          <a:fontRef idx="minor">
+            <a:schemeClr val="tx1"/>
+          </a:fontRef>
+        </p:style>
+      </p:cxnSp>
+      <p:sp>
+        <p:nvSpPr>
+          <p:cNvPr id="42" name="Textfeld 41"/>
+          <p:cNvSpPr txBox="1"/>
+          <p:nvPr/>
+        </p:nvSpPr>
+        <p:spPr>
+          <a:xfrm rot="16200000">
+            <a:off x="4294967" y="2312251"/>
+            <a:ext cx="1074333" cy="261610"/>
+          </a:xfrm>
+          <a:prstGeom prst="rect">
+            <a:avLst/>
+          </a:prstGeom>
+          <a:noFill/>
+        </p:spPr>
+        <p:txBody>
+          <a:bodyPr wrap="none" rtlCol="0">
+            <a:spAutoFit/>
+          </a:bodyPr>
+          <a:lstStyle/>
+          <a:p>
+            <a:r>
+              <a:rPr lang="de-DE" sz="1100" dirty="0" err="1" smtClean="0">
+                <a:latin typeface="Arial" pitchFamily="34" charset="0"/>
+                <a:cs typeface="Arial" pitchFamily="34" charset="0"/>
+              </a:rPr>
+              <a:t>counts</a:t>
+            </a:r>
+            <a:r>
+              <a:rPr lang="de-DE" sz="1100" dirty="0" smtClean="0">
+                <a:latin typeface="Arial" pitchFamily="34" charset="0"/>
+                <a:cs typeface="Arial" pitchFamily="34" charset="0"/>
+              </a:rPr>
+              <a:t>  / prob.</a:t>
+            </a:r>
+            <a:endParaRPr lang="de-DE" sz="1100" baseline="-25000" dirty="0">
+              <a:latin typeface="Arial" pitchFamily="34" charset="0"/>
+              <a:cs typeface="Arial" pitchFamily="34" charset="0"/>
+            </a:endParaRPr>
+          </a:p>
+        </p:txBody>
+      </p:sp>
+      <p:sp>
+        <p:nvSpPr>
+          <p:cNvPr id="43" name="Freihandform 42"/>
+          <p:cNvSpPr/>
+          <p:nvPr/>
+        </p:nvSpPr>
+        <p:spPr>
+          <a:xfrm>
+            <a:off x="792088" y="2348880"/>
+            <a:ext cx="1368152" cy="648072"/>
+          </a:xfrm>
+          <a:custGeom>
+            <a:avLst/>
+            <a:gdLst>
+              <a:gd name="connsiteX0" fmla="*/ 0 w 3756212"/>
+              <a:gd name="connsiteY0" fmla="*/ 681317 h 699247"/>
+              <a:gd name="connsiteX1" fmla="*/ 448236 w 3756212"/>
+              <a:gd name="connsiteY1" fmla="*/ 681317 h 699247"/>
+              <a:gd name="connsiteX2" fmla="*/ 654424 w 3756212"/>
+              <a:gd name="connsiteY2" fmla="*/ 0 h 699247"/>
+              <a:gd name="connsiteX3" fmla="*/ 1039906 w 3756212"/>
+              <a:gd name="connsiteY3" fmla="*/ 17929 h 699247"/>
+              <a:gd name="connsiteX4" fmla="*/ 1147483 w 3756212"/>
+              <a:gd name="connsiteY4" fmla="*/ 224117 h 699247"/>
+              <a:gd name="connsiteX5" fmla="*/ 2752165 w 3756212"/>
+              <a:gd name="connsiteY5" fmla="*/ 251011 h 699247"/>
+              <a:gd name="connsiteX6" fmla="*/ 2877671 w 3756212"/>
+              <a:gd name="connsiteY6" fmla="*/ 681317 h 699247"/>
+              <a:gd name="connsiteX7" fmla="*/ 3756212 w 3756212"/>
+              <a:gd name="connsiteY7" fmla="*/ 699247 h 699247"/>
+              <a:gd name="connsiteX0" fmla="*/ 0 w 3756212"/>
+              <a:gd name="connsiteY0" fmla="*/ 2016224 h 2016224"/>
+              <a:gd name="connsiteX1" fmla="*/ 448236 w 3756212"/>
+              <a:gd name="connsiteY1" fmla="*/ 681317 h 2016224"/>
+              <a:gd name="connsiteX2" fmla="*/ 654424 w 3756212"/>
+              <a:gd name="connsiteY2" fmla="*/ 0 h 2016224"/>
+              <a:gd name="connsiteX3" fmla="*/ 1039906 w 3756212"/>
+              <a:gd name="connsiteY3" fmla="*/ 17929 h 2016224"/>
+              <a:gd name="connsiteX4" fmla="*/ 1147483 w 3756212"/>
+              <a:gd name="connsiteY4" fmla="*/ 224117 h 2016224"/>
+              <a:gd name="connsiteX5" fmla="*/ 2752165 w 3756212"/>
+              <a:gd name="connsiteY5" fmla="*/ 251011 h 2016224"/>
+              <a:gd name="connsiteX6" fmla="*/ 2877671 w 3756212"/>
+              <a:gd name="connsiteY6" fmla="*/ 681317 h 2016224"/>
+              <a:gd name="connsiteX7" fmla="*/ 3756212 w 3756212"/>
+              <a:gd name="connsiteY7" fmla="*/ 699247 h 2016224"/>
+              <a:gd name="connsiteX0" fmla="*/ 0 w 3756212"/>
+              <a:gd name="connsiteY0" fmla="*/ 2016224 h 2088231"/>
+              <a:gd name="connsiteX1" fmla="*/ 432048 w 3756212"/>
+              <a:gd name="connsiteY1" fmla="*/ 2088231 h 2088231"/>
+              <a:gd name="connsiteX2" fmla="*/ 654424 w 3756212"/>
+              <a:gd name="connsiteY2" fmla="*/ 0 h 2088231"/>
+              <a:gd name="connsiteX3" fmla="*/ 1039906 w 3756212"/>
+              <a:gd name="connsiteY3" fmla="*/ 17929 h 2088231"/>
+              <a:gd name="connsiteX4" fmla="*/ 1147483 w 3756212"/>
+              <a:gd name="connsiteY4" fmla="*/ 224117 h 2088231"/>
+              <a:gd name="connsiteX5" fmla="*/ 2752165 w 3756212"/>
+              <a:gd name="connsiteY5" fmla="*/ 251011 h 2088231"/>
+              <a:gd name="connsiteX6" fmla="*/ 2877671 w 3756212"/>
+              <a:gd name="connsiteY6" fmla="*/ 681317 h 2088231"/>
+              <a:gd name="connsiteX7" fmla="*/ 3756212 w 3756212"/>
+              <a:gd name="connsiteY7" fmla="*/ 699247 h 2088231"/>
+              <a:gd name="connsiteX0" fmla="*/ 0 w 3756212"/>
+              <a:gd name="connsiteY0" fmla="*/ 2016224 h 2016224"/>
+              <a:gd name="connsiteX1" fmla="*/ 432048 w 3756212"/>
+              <a:gd name="connsiteY1" fmla="*/ 2016223 h 2016224"/>
+              <a:gd name="connsiteX2" fmla="*/ 654424 w 3756212"/>
+              <a:gd name="connsiteY2" fmla="*/ 0 h 2016224"/>
+              <a:gd name="connsiteX3" fmla="*/ 1039906 w 3756212"/>
+              <a:gd name="connsiteY3" fmla="*/ 17929 h 2016224"/>
+              <a:gd name="connsiteX4" fmla="*/ 1147483 w 3756212"/>
+              <a:gd name="connsiteY4" fmla="*/ 224117 h 2016224"/>
+              <a:gd name="connsiteX5" fmla="*/ 2752165 w 3756212"/>
+              <a:gd name="connsiteY5" fmla="*/ 251011 h 2016224"/>
+              <a:gd name="connsiteX6" fmla="*/ 2877671 w 3756212"/>
+              <a:gd name="connsiteY6" fmla="*/ 681317 h 2016224"/>
+              <a:gd name="connsiteX7" fmla="*/ 3756212 w 3756212"/>
+              <a:gd name="connsiteY7" fmla="*/ 699247 h 2016224"/>
+              <a:gd name="connsiteX0" fmla="*/ 0 w 3756212"/>
+              <a:gd name="connsiteY0" fmla="*/ 1998295 h 1998295"/>
+              <a:gd name="connsiteX1" fmla="*/ 432048 w 3756212"/>
+              <a:gd name="connsiteY1" fmla="*/ 1998294 h 1998295"/>
+              <a:gd name="connsiteX2" fmla="*/ 648072 w 3756212"/>
+              <a:gd name="connsiteY2" fmla="*/ 1422230 h 1998295"/>
+              <a:gd name="connsiteX3" fmla="*/ 1039906 w 3756212"/>
+              <a:gd name="connsiteY3" fmla="*/ 0 h 1998295"/>
+              <a:gd name="connsiteX4" fmla="*/ 1147483 w 3756212"/>
+              <a:gd name="connsiteY4" fmla="*/ 206188 h 1998295"/>
+              <a:gd name="connsiteX5" fmla="*/ 2752165 w 3756212"/>
+              <a:gd name="connsiteY5" fmla="*/ 233082 h 1998295"/>
+              <a:gd name="connsiteX6" fmla="*/ 2877671 w 3756212"/>
+              <a:gd name="connsiteY6" fmla="*/ 663388 h 1998295"/>
+              <a:gd name="connsiteX7" fmla="*/ 3756212 w 3756212"/>
+              <a:gd name="connsiteY7" fmla="*/ 681318 h 1998295"/>
+              <a:gd name="connsiteX0" fmla="*/ 0 w 3756212"/>
+              <a:gd name="connsiteY0" fmla="*/ 1792107 h 1792107"/>
+              <a:gd name="connsiteX1" fmla="*/ 432048 w 3756212"/>
+              <a:gd name="connsiteY1" fmla="*/ 1792106 h 1792107"/>
+              <a:gd name="connsiteX2" fmla="*/ 648072 w 3756212"/>
+              <a:gd name="connsiteY2" fmla="*/ 1216042 h 1792107"/>
+              <a:gd name="connsiteX3" fmla="*/ 1080120 w 3756212"/>
+              <a:gd name="connsiteY3" fmla="*/ 1144034 h 1792107"/>
+              <a:gd name="connsiteX4" fmla="*/ 1147483 w 3756212"/>
+              <a:gd name="connsiteY4" fmla="*/ 0 h 1792107"/>
+              <a:gd name="connsiteX5" fmla="*/ 2752165 w 3756212"/>
+              <a:gd name="connsiteY5" fmla="*/ 26894 h 1792107"/>
+              <a:gd name="connsiteX6" fmla="*/ 2877671 w 3756212"/>
+              <a:gd name="connsiteY6" fmla="*/ 457200 h 1792107"/>
+              <a:gd name="connsiteX7" fmla="*/ 3756212 w 3756212"/>
+              <a:gd name="connsiteY7" fmla="*/ 475130 h 1792107"/>
+              <a:gd name="connsiteX0" fmla="*/ 0 w 3756212"/>
+              <a:gd name="connsiteY0" fmla="*/ 1792107 h 1792107"/>
+              <a:gd name="connsiteX1" fmla="*/ 432048 w 3756212"/>
+              <a:gd name="connsiteY1" fmla="*/ 1792106 h 1792107"/>
+              <a:gd name="connsiteX2" fmla="*/ 648072 w 3756212"/>
+              <a:gd name="connsiteY2" fmla="*/ 1144034 h 1792107"/>
+              <a:gd name="connsiteX3" fmla="*/ 1080120 w 3756212"/>
+              <a:gd name="connsiteY3" fmla="*/ 1144034 h 1792107"/>
+              <a:gd name="connsiteX4" fmla="*/ 1147483 w 3756212"/>
+              <a:gd name="connsiteY4" fmla="*/ 0 h 1792107"/>
+              <a:gd name="connsiteX5" fmla="*/ 2752165 w 3756212"/>
+              <a:gd name="connsiteY5" fmla="*/ 26894 h 1792107"/>
+              <a:gd name="connsiteX6" fmla="*/ 2877671 w 3756212"/>
+              <a:gd name="connsiteY6" fmla="*/ 457200 h 1792107"/>
+              <a:gd name="connsiteX7" fmla="*/ 3756212 w 3756212"/>
+              <a:gd name="connsiteY7" fmla="*/ 475130 h 1792107"/>
+              <a:gd name="connsiteX0" fmla="*/ 0 w 3756212"/>
+              <a:gd name="connsiteY0" fmla="*/ 1765213 h 1765213"/>
+              <a:gd name="connsiteX1" fmla="*/ 432048 w 3756212"/>
+              <a:gd name="connsiteY1" fmla="*/ 1765212 h 1765213"/>
+              <a:gd name="connsiteX2" fmla="*/ 648072 w 3756212"/>
+              <a:gd name="connsiteY2" fmla="*/ 1117140 h 1765213"/>
+              <a:gd name="connsiteX3" fmla="*/ 1080120 w 3756212"/>
+              <a:gd name="connsiteY3" fmla="*/ 1117140 h 1765213"/>
+              <a:gd name="connsiteX4" fmla="*/ 1152128 w 3756212"/>
+              <a:gd name="connsiteY4" fmla="*/ 1333164 h 1765213"/>
+              <a:gd name="connsiteX5" fmla="*/ 2752165 w 3756212"/>
+              <a:gd name="connsiteY5" fmla="*/ 0 h 1765213"/>
+              <a:gd name="connsiteX6" fmla="*/ 2877671 w 3756212"/>
+              <a:gd name="connsiteY6" fmla="*/ 430306 h 1765213"/>
+              <a:gd name="connsiteX7" fmla="*/ 3756212 w 3756212"/>
+              <a:gd name="connsiteY7" fmla="*/ 448236 h 1765213"/>
+              <a:gd name="connsiteX0" fmla="*/ 0 w 3756212"/>
+              <a:gd name="connsiteY0" fmla="*/ 1334907 h 1334907"/>
+              <a:gd name="connsiteX1" fmla="*/ 432048 w 3756212"/>
+              <a:gd name="connsiteY1" fmla="*/ 1334906 h 1334907"/>
+              <a:gd name="connsiteX2" fmla="*/ 648072 w 3756212"/>
+              <a:gd name="connsiteY2" fmla="*/ 686834 h 1334907"/>
+              <a:gd name="connsiteX3" fmla="*/ 1080120 w 3756212"/>
+              <a:gd name="connsiteY3" fmla="*/ 686834 h 1334907"/>
+              <a:gd name="connsiteX4" fmla="*/ 1152128 w 3756212"/>
+              <a:gd name="connsiteY4" fmla="*/ 902858 h 1334907"/>
+              <a:gd name="connsiteX5" fmla="*/ 2736304 w 3756212"/>
+              <a:gd name="connsiteY5" fmla="*/ 902858 h 1334907"/>
+              <a:gd name="connsiteX6" fmla="*/ 2877671 w 3756212"/>
+              <a:gd name="connsiteY6" fmla="*/ 0 h 1334907"/>
+              <a:gd name="connsiteX7" fmla="*/ 3756212 w 3756212"/>
+              <a:gd name="connsiteY7" fmla="*/ 17930 h 1334907"/>
+              <a:gd name="connsiteX0" fmla="*/ 0 w 3756212"/>
+              <a:gd name="connsiteY0" fmla="*/ 1316977 h 1388984"/>
+              <a:gd name="connsiteX1" fmla="*/ 432048 w 3756212"/>
+              <a:gd name="connsiteY1" fmla="*/ 1316976 h 1388984"/>
+              <a:gd name="connsiteX2" fmla="*/ 648072 w 3756212"/>
+              <a:gd name="connsiteY2" fmla="*/ 668904 h 1388984"/>
+              <a:gd name="connsiteX3" fmla="*/ 1080120 w 3756212"/>
+              <a:gd name="connsiteY3" fmla="*/ 668904 h 1388984"/>
+              <a:gd name="connsiteX4" fmla="*/ 1152128 w 3756212"/>
+              <a:gd name="connsiteY4" fmla="*/ 884928 h 1388984"/>
+              <a:gd name="connsiteX5" fmla="*/ 2736304 w 3756212"/>
+              <a:gd name="connsiteY5" fmla="*/ 884928 h 1388984"/>
+              <a:gd name="connsiteX6" fmla="*/ 2880320 w 3756212"/>
+              <a:gd name="connsiteY6" fmla="*/ 1388984 h 1388984"/>
+              <a:gd name="connsiteX7" fmla="*/ 3756212 w 3756212"/>
+              <a:gd name="connsiteY7" fmla="*/ 0 h 1388984"/>
+              <a:gd name="connsiteX0" fmla="*/ 0 w 3744416"/>
+              <a:gd name="connsiteY0" fmla="*/ 648073 h 720080"/>
+              <a:gd name="connsiteX1" fmla="*/ 432048 w 3744416"/>
+              <a:gd name="connsiteY1" fmla="*/ 648072 h 720080"/>
+              <a:gd name="connsiteX2" fmla="*/ 648072 w 3744416"/>
+              <a:gd name="connsiteY2" fmla="*/ 0 h 720080"/>
+              <a:gd name="connsiteX3" fmla="*/ 1080120 w 3744416"/>
+              <a:gd name="connsiteY3" fmla="*/ 0 h 720080"/>
+              <a:gd name="connsiteX4" fmla="*/ 1152128 w 3744416"/>
+              <a:gd name="connsiteY4" fmla="*/ 216024 h 720080"/>
+              <a:gd name="connsiteX5" fmla="*/ 2736304 w 3744416"/>
+              <a:gd name="connsiteY5" fmla="*/ 216024 h 720080"/>
+              <a:gd name="connsiteX6" fmla="*/ 2880320 w 3744416"/>
+              <a:gd name="connsiteY6" fmla="*/ 720080 h 720080"/>
+              <a:gd name="connsiteX7" fmla="*/ 3744416 w 3744416"/>
+              <a:gd name="connsiteY7" fmla="*/ 648071 h 720080"/>
+              <a:gd name="connsiteX0" fmla="*/ 0 w 3744416"/>
+              <a:gd name="connsiteY0" fmla="*/ 648073 h 648073"/>
+              <a:gd name="connsiteX1" fmla="*/ 432048 w 3744416"/>
+              <a:gd name="connsiteY1" fmla="*/ 648072 h 648073"/>
+              <a:gd name="connsiteX2" fmla="*/ 648072 w 3744416"/>
+              <a:gd name="connsiteY2" fmla="*/ 0 h 648073"/>
+              <a:gd name="connsiteX3" fmla="*/ 1080120 w 3744416"/>
+              <a:gd name="connsiteY3" fmla="*/ 0 h 648073"/>
+              <a:gd name="connsiteX4" fmla="*/ 1152128 w 3744416"/>
+              <a:gd name="connsiteY4" fmla="*/ 216024 h 648073"/>
+              <a:gd name="connsiteX5" fmla="*/ 2736304 w 3744416"/>
+              <a:gd name="connsiteY5" fmla="*/ 216024 h 648073"/>
+              <a:gd name="connsiteX6" fmla="*/ 2880320 w 3744416"/>
+              <a:gd name="connsiteY6" fmla="*/ 648071 h 648073"/>
+              <a:gd name="connsiteX7" fmla="*/ 3744416 w 3744416"/>
+              <a:gd name="connsiteY7" fmla="*/ 648071 h 648073"/>
+              <a:gd name="connsiteX0" fmla="*/ 0 w 3240360"/>
+              <a:gd name="connsiteY0" fmla="*/ 648073 h 648073"/>
+              <a:gd name="connsiteX1" fmla="*/ 432048 w 3240360"/>
+              <a:gd name="connsiteY1" fmla="*/ 648072 h 648073"/>
+              <a:gd name="connsiteX2" fmla="*/ 648072 w 3240360"/>
+              <a:gd name="connsiteY2" fmla="*/ 0 h 648073"/>
+              <a:gd name="connsiteX3" fmla="*/ 1080120 w 3240360"/>
+              <a:gd name="connsiteY3" fmla="*/ 0 h 648073"/>
+              <a:gd name="connsiteX4" fmla="*/ 1152128 w 3240360"/>
+              <a:gd name="connsiteY4" fmla="*/ 216024 h 648073"/>
+              <a:gd name="connsiteX5" fmla="*/ 2736304 w 3240360"/>
+              <a:gd name="connsiteY5" fmla="*/ 216024 h 648073"/>
+              <a:gd name="connsiteX6" fmla="*/ 2880320 w 3240360"/>
+              <a:gd name="connsiteY6" fmla="*/ 648071 h 648073"/>
+              <a:gd name="connsiteX7" fmla="*/ 3240360 w 3240360"/>
+              <a:gd name="connsiteY7" fmla="*/ 648072 h 648073"/>
+              <a:gd name="connsiteX0" fmla="*/ 0 w 3096344"/>
+              <a:gd name="connsiteY0" fmla="*/ 648073 h 648073"/>
+              <a:gd name="connsiteX1" fmla="*/ 432048 w 3096344"/>
+              <a:gd name="connsiteY1" fmla="*/ 648072 h 648073"/>
+              <a:gd name="connsiteX2" fmla="*/ 648072 w 3096344"/>
+              <a:gd name="connsiteY2" fmla="*/ 0 h 648073"/>
+              <a:gd name="connsiteX3" fmla="*/ 1080120 w 3096344"/>
+              <a:gd name="connsiteY3" fmla="*/ 0 h 648073"/>
+              <a:gd name="connsiteX4" fmla="*/ 1152128 w 3096344"/>
+              <a:gd name="connsiteY4" fmla="*/ 216024 h 648073"/>
+              <a:gd name="connsiteX5" fmla="*/ 2736304 w 3096344"/>
+              <a:gd name="connsiteY5" fmla="*/ 216024 h 648073"/>
+              <a:gd name="connsiteX6" fmla="*/ 2880320 w 3096344"/>
+              <a:gd name="connsiteY6" fmla="*/ 648071 h 648073"/>
+              <a:gd name="connsiteX7" fmla="*/ 3096344 w 3096344"/>
+              <a:gd name="connsiteY7" fmla="*/ 648072 h 648073"/>
+              <a:gd name="connsiteX0" fmla="*/ 0 w 2880320"/>
+              <a:gd name="connsiteY0" fmla="*/ 648072 h 648072"/>
+              <a:gd name="connsiteX1" fmla="*/ 216024 w 2880320"/>
+              <a:gd name="connsiteY1" fmla="*/ 648072 h 648072"/>
+              <a:gd name="connsiteX2" fmla="*/ 432048 w 2880320"/>
+              <a:gd name="connsiteY2" fmla="*/ 0 h 648072"/>
+              <a:gd name="connsiteX3" fmla="*/ 864096 w 2880320"/>
+              <a:gd name="connsiteY3" fmla="*/ 0 h 648072"/>
+              <a:gd name="connsiteX4" fmla="*/ 936104 w 2880320"/>
+              <a:gd name="connsiteY4" fmla="*/ 216024 h 648072"/>
+              <a:gd name="connsiteX5" fmla="*/ 2520280 w 2880320"/>
+              <a:gd name="connsiteY5" fmla="*/ 216024 h 648072"/>
+              <a:gd name="connsiteX6" fmla="*/ 2664296 w 2880320"/>
+              <a:gd name="connsiteY6" fmla="*/ 648071 h 648072"/>
+              <a:gd name="connsiteX7" fmla="*/ 2880320 w 2880320"/>
+              <a:gd name="connsiteY7" fmla="*/ 648072 h 648072"/>
+            </a:gdLst>
+            <a:ahLst/>
+            <a:cxnLst>
+              <a:cxn ang="0">
+                <a:pos x="connsiteX0" y="connsiteY0"/>
+              </a:cxn>
+              <a:cxn ang="0">
+                <a:pos x="connsiteX1" y="connsiteY1"/>
+              </a:cxn>
+              <a:cxn ang="0">
+                <a:pos x="connsiteX2" y="connsiteY2"/>
+              </a:cxn>
+              <a:cxn ang="0">
+                <a:pos x="connsiteX3" y="connsiteY3"/>
+              </a:cxn>
+              <a:cxn ang="0">
+                <a:pos x="connsiteX4" y="connsiteY4"/>
+              </a:cxn>
+              <a:cxn ang="0">
+                <a:pos x="connsiteX5" y="connsiteY5"/>
+              </a:cxn>
+              <a:cxn ang="0">
+                <a:pos x="connsiteX6" y="connsiteY6"/>
+              </a:cxn>
+              <a:cxn ang="0">
+                <a:pos x="connsiteX7" y="connsiteY7"/>
+              </a:cxn>
+            </a:cxnLst>
+            <a:rect l="l" t="t" r="r" b="b"/>
+            <a:pathLst>
+              <a:path w="2880320" h="648072">
+                <a:moveTo>
+                  <a:pt x="0" y="648072"/>
+                </a:moveTo>
+                <a:lnTo>
+                  <a:pt x="216024" y="648072"/>
+                </a:lnTo>
+                <a:lnTo>
+                  <a:pt x="432048" y="0"/>
+                </a:lnTo>
+                <a:lnTo>
+                  <a:pt x="864096" y="0"/>
+                </a:lnTo>
+                <a:lnTo>
+                  <a:pt x="936104" y="216024"/>
+                </a:lnTo>
+                <a:lnTo>
+                  <a:pt x="2520280" y="216024"/>
+                </a:lnTo>
+                <a:lnTo>
+                  <a:pt x="2664296" y="648071"/>
+                </a:lnTo>
+                <a:lnTo>
+                  <a:pt x="2880320" y="648072"/>
+                </a:lnTo>
+              </a:path>
+            </a:pathLst>
+          </a:custGeom>
+          <a:ln w="19050">
+            <a:solidFill>
+              <a:schemeClr val="tx1"/>
+            </a:solidFill>
+          </a:ln>
+        </p:spPr>
+        <p:style>
+          <a:lnRef idx="1">
+            <a:schemeClr val="accent1"/>
+          </a:lnRef>
+          <a:fillRef idx="0">
+            <a:schemeClr val="accent1"/>
+          </a:fillRef>
+          <a:effectRef idx="0">
+            <a:schemeClr val="accent1"/>
+          </a:effectRef>
+          <a:fontRef idx="minor">
+            <a:schemeClr val="tx1"/>
+          </a:fontRef>
+        </p:style>
+        <p:txBody>
+          <a:bodyPr rtlCol="0" anchor="ctr"/>
+          <a:lstStyle/>
+          <a:p>
+            <a:pPr algn="ctr"/>
+            <a:endParaRPr lang="de-DE" sz="1400">
+              <a:latin typeface="Arial" pitchFamily="34" charset="0"/>
+              <a:cs typeface="Arial" pitchFamily="34" charset="0"/>
+            </a:endParaRPr>
+          </a:p>
+        </p:txBody>
+      </p:sp>
+      <p:cxnSp>
+        <p:nvCxnSpPr>
+          <p:cNvPr id="45" name="Gerade Verbindung 44"/>
+          <p:cNvCxnSpPr/>
+          <p:nvPr/>
+        </p:nvCxnSpPr>
+        <p:spPr>
+          <a:xfrm>
+            <a:off x="1194898" y="1700808"/>
+            <a:ext cx="0" cy="576064"/>
+          </a:xfrm>
+          <a:prstGeom prst="line">
+            <a:avLst/>
+          </a:prstGeom>
+          <a:ln>
+            <a:solidFill>
+              <a:schemeClr val="tx1"/>
+            </a:solidFill>
+            <a:prstDash val="sysDot"/>
+          </a:ln>
+        </p:spPr>
+        <p:style>
+          <a:lnRef idx="1">
+            <a:schemeClr val="accent1"/>
+          </a:lnRef>
+          <a:fillRef idx="0">
+            <a:schemeClr val="accent1"/>
+          </a:fillRef>
+          <a:effectRef idx="0">
+            <a:schemeClr val="accent1"/>
+          </a:effectRef>
+          <a:fontRef idx="minor">
+            <a:schemeClr val="tx1"/>
+          </a:fontRef>
+        </p:style>
+      </p:cxnSp>
+      <p:cxnSp>
+        <p:nvCxnSpPr>
+          <p:cNvPr id="47" name="Gerade Verbindung 46"/>
+          <p:cNvCxnSpPr/>
+          <p:nvPr/>
+        </p:nvCxnSpPr>
+        <p:spPr>
+          <a:xfrm>
+            <a:off x="1008112" y="1988840"/>
+            <a:ext cx="0" cy="288032"/>
+          </a:xfrm>
+          <a:prstGeom prst="line">
+            <a:avLst/>
+          </a:prstGeom>
+          <a:ln>
+            <a:solidFill>
+              <a:schemeClr val="tx1"/>
+            </a:solidFill>
+            <a:prstDash val="sysDot"/>
+          </a:ln>
+        </p:spPr>
+        <p:style>
+          <a:lnRef idx="1">
+            <a:schemeClr val="accent1"/>
+          </a:lnRef>
+          <a:fillRef idx="0">
+            <a:schemeClr val="accent1"/>
+          </a:fillRef>
+          <a:effectRef idx="0">
+            <a:schemeClr val="accent1"/>
+          </a:effectRef>
+          <a:fontRef idx="minor">
+            <a:schemeClr val="tx1"/>
+          </a:fontRef>
+        </p:style>
+      </p:cxnSp>
+      <p:cxnSp>
+        <p:nvCxnSpPr>
+          <p:cNvPr id="48" name="Gerade Verbindung 47"/>
+          <p:cNvCxnSpPr/>
+          <p:nvPr/>
+        </p:nvCxnSpPr>
+        <p:spPr>
+          <a:xfrm>
+            <a:off x="1944216" y="1700808"/>
+            <a:ext cx="0" cy="792088"/>
+          </a:xfrm>
+          <a:prstGeom prst="line">
+            <a:avLst/>
+          </a:prstGeom>
+          <a:ln>
+            <a:solidFill>
+              <a:schemeClr val="tx1"/>
+            </a:solidFill>
+            <a:prstDash val="sysDot"/>
+          </a:ln>
+        </p:spPr>
+        <p:style>
+          <a:lnRef idx="1">
+            <a:schemeClr val="accent1"/>
+          </a:lnRef>
+          <a:fillRef idx="0">
+            <a:schemeClr val="accent1"/>
+          </a:fillRef>
+          <a:effectRef idx="0">
+            <a:schemeClr val="accent1"/>
+          </a:effectRef>
+          <a:fontRef idx="minor">
+            <a:schemeClr val="tx1"/>
+          </a:fontRef>
+        </p:style>
+      </p:cxnSp>
+      <p:cxnSp>
+        <p:nvCxnSpPr>
+          <p:cNvPr id="51" name="Gerade Verbindung 50"/>
+          <p:cNvCxnSpPr/>
+          <p:nvPr/>
+        </p:nvCxnSpPr>
+        <p:spPr>
+          <a:xfrm flipH="1" flipV="1">
+            <a:off x="648072" y="1700808"/>
+            <a:ext cx="360040" cy="288032"/>
+          </a:xfrm>
+          <a:prstGeom prst="line">
+            <a:avLst/>
+          </a:prstGeom>
+          <a:ln>
+            <a:solidFill>
+              <a:schemeClr val="tx1"/>
+            </a:solidFill>
+            <a:prstDash val="sysDot"/>
+          </a:ln>
+        </p:spPr>
+        <p:style>
+          <a:lnRef idx="1">
+            <a:schemeClr val="accent1"/>
+          </a:lnRef>
+          <a:fillRef idx="0">
+            <a:schemeClr val="accent1"/>
+          </a:fillRef>
+          <a:effectRef idx="0">
+            <a:schemeClr val="accent1"/>
+          </a:effectRef>
+          <a:fontRef idx="minor">
+            <a:schemeClr val="tx1"/>
+          </a:fontRef>
+        </p:style>
+      </p:cxnSp>
+      <p:sp>
+        <p:nvSpPr>
+          <p:cNvPr id="58" name="Textfeld 57"/>
+          <p:cNvSpPr txBox="1"/>
+          <p:nvPr/>
+        </p:nvSpPr>
+        <p:spPr>
+          <a:xfrm>
+            <a:off x="0" y="1412776"/>
+            <a:ext cx="1045479" cy="261610"/>
+          </a:xfrm>
+          <a:prstGeom prst="rect">
+            <a:avLst/>
+          </a:prstGeom>
+          <a:noFill/>
+        </p:spPr>
+        <p:txBody>
+          <a:bodyPr wrap="none" rtlCol="0">
+            <a:spAutoFit/>
+          </a:bodyPr>
+          <a:lstStyle/>
+          <a:p>
+            <a:r>
+              <a:rPr lang="de-DE" sz="1100" dirty="0" err="1" smtClean="0">
+                <a:latin typeface="Arial" pitchFamily="34" charset="0"/>
+                <a:cs typeface="Arial" pitchFamily="34" charset="0"/>
+              </a:rPr>
+              <a:t>measurement</a:t>
+            </a:r>
+            <a:endParaRPr lang="de-DE" sz="1100" dirty="0">
+              <a:latin typeface="Arial" pitchFamily="34" charset="0"/>
+              <a:cs typeface="Arial" pitchFamily="34" charset="0"/>
+            </a:endParaRPr>
+          </a:p>
+        </p:txBody>
+      </p:sp>
+      <p:sp>
+        <p:nvSpPr>
+          <p:cNvPr id="59" name="Textfeld 58"/>
+          <p:cNvSpPr txBox="1"/>
+          <p:nvPr/>
+        </p:nvSpPr>
+        <p:spPr>
+          <a:xfrm>
+            <a:off x="1209569" y="1427406"/>
+            <a:ext cx="671979" cy="261610"/>
+          </a:xfrm>
+          <a:prstGeom prst="rect">
+            <a:avLst/>
+          </a:prstGeom>
+          <a:noFill/>
+        </p:spPr>
+        <p:txBody>
+          <a:bodyPr wrap="none" rtlCol="0">
+            <a:spAutoFit/>
+          </a:bodyPr>
+          <a:lstStyle/>
+          <a:p>
+            <a:r>
+              <a:rPr lang="de-DE" sz="1100" dirty="0" err="1" smtClean="0">
+                <a:latin typeface="Arial" pitchFamily="34" charset="0"/>
+                <a:cs typeface="Arial" pitchFamily="34" charset="0"/>
+              </a:rPr>
+              <a:t>latching</a:t>
+            </a:r>
+            <a:endParaRPr lang="de-DE" sz="1100" dirty="0">
+              <a:latin typeface="Arial" pitchFamily="34" charset="0"/>
+              <a:cs typeface="Arial" pitchFamily="34" charset="0"/>
+            </a:endParaRPr>
+          </a:p>
+        </p:txBody>
+      </p:sp>
+      <p:cxnSp>
+        <p:nvCxnSpPr>
+          <p:cNvPr id="62" name="Gerade Verbindung 61"/>
+          <p:cNvCxnSpPr/>
+          <p:nvPr/>
+        </p:nvCxnSpPr>
+        <p:spPr>
+          <a:xfrm>
+            <a:off x="1296144" y="1700808"/>
+            <a:ext cx="0" cy="792088"/>
+          </a:xfrm>
+          <a:prstGeom prst="line">
+            <a:avLst/>
+          </a:prstGeom>
+          <a:ln>
+            <a:solidFill>
+              <a:schemeClr val="tx1"/>
+            </a:solidFill>
+            <a:prstDash val="sysDot"/>
+          </a:ln>
+        </p:spPr>
+        <p:style>
+          <a:lnRef idx="1">
+            <a:schemeClr val="accent1"/>
+          </a:lnRef>
+          <a:fillRef idx="0">
+            <a:schemeClr val="accent1"/>
+          </a:fillRef>
+          <a:effectRef idx="0">
+            <a:schemeClr val="accent1"/>
+          </a:effectRef>
+          <a:fontRef idx="minor">
+            <a:schemeClr val="tx1"/>
+          </a:fontRef>
+        </p:style>
+      </p:cxnSp>
+      <p:cxnSp>
+        <p:nvCxnSpPr>
+          <p:cNvPr id="67" name="Gerade Verbindung 66"/>
+          <p:cNvCxnSpPr/>
+          <p:nvPr/>
+        </p:nvCxnSpPr>
+        <p:spPr>
+          <a:xfrm>
+            <a:off x="1003246" y="2131737"/>
+            <a:ext cx="190358" cy="1"/>
+          </a:xfrm>
+          <a:prstGeom prst="line">
+            <a:avLst/>
+          </a:prstGeom>
+          <a:ln>
+            <a:solidFill>
+              <a:schemeClr val="tx1"/>
+            </a:solidFill>
+          </a:ln>
+        </p:spPr>
+        <p:style>
+          <a:lnRef idx="1">
+            <a:schemeClr val="accent1"/>
+          </a:lnRef>
+          <a:fillRef idx="0">
+            <a:schemeClr val="accent1"/>
+          </a:fillRef>
+          <a:effectRef idx="0">
+            <a:schemeClr val="accent1"/>
+          </a:effectRef>
+          <a:fontRef idx="minor">
+            <a:schemeClr val="tx1"/>
+          </a:fontRef>
+        </p:style>
+      </p:cxnSp>
+      <p:cxnSp>
+        <p:nvCxnSpPr>
+          <p:cNvPr id="72" name="Gerade Verbindung 71"/>
+          <p:cNvCxnSpPr/>
+          <p:nvPr/>
+        </p:nvCxnSpPr>
+        <p:spPr>
+          <a:xfrm>
+            <a:off x="1296144" y="2132856"/>
+            <a:ext cx="648072" cy="0"/>
+          </a:xfrm>
+          <a:prstGeom prst="line">
+            <a:avLst/>
+          </a:prstGeom>
+          <a:ln>
+            <a:solidFill>
+              <a:schemeClr val="tx1"/>
+            </a:solidFill>
+          </a:ln>
+        </p:spPr>
+        <p:style>
+          <a:lnRef idx="1">
+            <a:schemeClr val="accent1"/>
+          </a:lnRef>
+          <a:fillRef idx="0">
+            <a:schemeClr val="accent1"/>
+          </a:fillRef>
+          <a:effectRef idx="0">
+            <a:schemeClr val="accent1"/>
+          </a:effectRef>
+          <a:fontRef idx="minor">
+            <a:schemeClr val="tx1"/>
+          </a:fontRef>
+        </p:style>
+      </p:cxnSp>
+      <p:sp>
+        <p:nvSpPr>
+          <p:cNvPr id="74" name="Textfeld 73"/>
+          <p:cNvSpPr txBox="1"/>
+          <p:nvPr/>
+        </p:nvSpPr>
+        <p:spPr>
+          <a:xfrm>
+            <a:off x="35496" y="1052736"/>
+            <a:ext cx="343364" cy="307777"/>
+          </a:xfrm>
+          <a:prstGeom prst="rect">
+            <a:avLst/>
+          </a:prstGeom>
+          <a:noFill/>
+        </p:spPr>
+        <p:txBody>
+          <a:bodyPr wrap="none" rtlCol="0">
+            <a:spAutoFit/>
+          </a:bodyPr>
+          <a:lstStyle/>
+          <a:p>
+            <a:r>
+              <a:rPr lang="de-DE" sz="1400" dirty="0" smtClean="0">
+                <a:latin typeface="Arial" pitchFamily="34" charset="0"/>
+                <a:cs typeface="Arial" pitchFamily="34" charset="0"/>
+              </a:rPr>
+              <a:t>a)</a:t>
+            </a:r>
+            <a:endParaRPr lang="de-DE" sz="1400" dirty="0">
+              <a:latin typeface="Arial" pitchFamily="34" charset="0"/>
+              <a:cs typeface="Arial" pitchFamily="34" charset="0"/>
+            </a:endParaRPr>
+          </a:p>
+        </p:txBody>
+      </p:sp>
+      <p:sp>
+        <p:nvSpPr>
+          <p:cNvPr id="75" name="Textfeld 74"/>
+          <p:cNvSpPr txBox="1"/>
+          <p:nvPr/>
+        </p:nvSpPr>
+        <p:spPr>
+          <a:xfrm>
+            <a:off x="2483768" y="1052736"/>
+            <a:ext cx="343364" cy="307777"/>
+          </a:xfrm>
+          <a:prstGeom prst="rect">
+            <a:avLst/>
+          </a:prstGeom>
+          <a:noFill/>
+        </p:spPr>
+        <p:txBody>
+          <a:bodyPr wrap="none" rtlCol="0">
+            <a:spAutoFit/>
+          </a:bodyPr>
+          <a:lstStyle/>
+          <a:p>
+            <a:r>
+              <a:rPr lang="de-DE" sz="1400" dirty="0">
+                <a:latin typeface="Arial" pitchFamily="34" charset="0"/>
+                <a:cs typeface="Arial" pitchFamily="34" charset="0"/>
+              </a:rPr>
+              <a:t>b</a:t>
+            </a:r>
+            <a:r>
+              <a:rPr lang="de-DE" sz="1400" dirty="0" smtClean="0">
+                <a:latin typeface="Arial" pitchFamily="34" charset="0"/>
+                <a:cs typeface="Arial" pitchFamily="34" charset="0"/>
+              </a:rPr>
+              <a:t>)</a:t>
+            </a:r>
+            <a:endParaRPr lang="de-DE" sz="1400" dirty="0">
+              <a:latin typeface="Arial" pitchFamily="34" charset="0"/>
+              <a:cs typeface="Arial" pitchFamily="34" charset="0"/>
+            </a:endParaRPr>
+          </a:p>
+        </p:txBody>
+      </p:sp>
+      <p:sp>
+        <p:nvSpPr>
+          <p:cNvPr id="76" name="Textfeld 75"/>
+          <p:cNvSpPr txBox="1"/>
+          <p:nvPr/>
+        </p:nvSpPr>
+        <p:spPr>
+          <a:xfrm>
+            <a:off x="4699030" y="1052736"/>
+            <a:ext cx="333746" cy="307777"/>
+          </a:xfrm>
+          <a:prstGeom prst="rect">
+            <a:avLst/>
+          </a:prstGeom>
+          <a:noFill/>
+        </p:spPr>
+        <p:txBody>
+          <a:bodyPr wrap="none" rtlCol="0">
+            <a:spAutoFit/>
+          </a:bodyPr>
+          <a:lstStyle/>
+          <a:p>
+            <a:r>
+              <a:rPr lang="de-DE" sz="1400" dirty="0" smtClean="0">
+                <a:latin typeface="Arial" pitchFamily="34" charset="0"/>
+                <a:cs typeface="Arial" pitchFamily="34" charset="0"/>
+              </a:rPr>
+              <a:t>c)</a:t>
+            </a:r>
+            <a:endParaRPr lang="de-DE" sz="1400" dirty="0">
+              <a:latin typeface="Arial" pitchFamily="34" charset="0"/>
+              <a:cs typeface="Arial" pitchFamily="34" charset="0"/>
+            </a:endParaRPr>
+          </a:p>
+        </p:txBody>
+      </p:sp>
+      <p:sp>
+        <p:nvSpPr>
+          <p:cNvPr id="80" name="Textfeld 79"/>
+          <p:cNvSpPr txBox="1"/>
+          <p:nvPr/>
+        </p:nvSpPr>
+        <p:spPr>
+          <a:xfrm>
+            <a:off x="3067753" y="1740278"/>
+            <a:ext cx="279244" cy="261610"/>
+          </a:xfrm>
+          <a:prstGeom prst="rect">
+            <a:avLst/>
+          </a:prstGeom>
+          <a:noFill/>
+        </p:spPr>
+        <p:txBody>
+          <a:bodyPr wrap="none" rtlCol="0">
+            <a:spAutoFit/>
+          </a:bodyPr>
+          <a:lstStyle/>
+          <a:p>
+            <a:r>
+              <a:rPr lang="de-DE" sz="1100" i="1" dirty="0" smtClean="0">
+                <a:latin typeface="Arial" pitchFamily="34" charset="0"/>
+                <a:cs typeface="Arial" pitchFamily="34" charset="0"/>
+              </a:rPr>
+              <a:t>P</a:t>
+            </a:r>
+            <a:endParaRPr lang="de-DE" sz="1100" i="1" dirty="0">
+              <a:latin typeface="Arial" pitchFamily="34" charset="0"/>
+              <a:cs typeface="Arial" pitchFamily="34" charset="0"/>
+            </a:endParaRPr>
+          </a:p>
+        </p:txBody>
+      </p:sp>
+      <p:grpSp>
+        <p:nvGrpSpPr>
+          <p:cNvPr id="3" name="Gruppieren 88"/>
+          <p:cNvGrpSpPr/>
+          <p:nvPr/>
+        </p:nvGrpSpPr>
+        <p:grpSpPr>
+          <a:xfrm>
+            <a:off x="2232248" y="2564904"/>
+            <a:ext cx="144016" cy="432048"/>
+            <a:chOff x="4860032" y="1340768"/>
+            <a:chExt cx="144016" cy="432048"/>
+          </a:xfrm>
+        </p:grpSpPr>
+        <p:cxnSp>
+          <p:nvCxnSpPr>
+            <p:cNvPr id="83" name="Gerade Verbindung 82"/>
+            <p:cNvCxnSpPr/>
+            <p:nvPr/>
+          </p:nvCxnSpPr>
+          <p:spPr>
+            <a:xfrm>
+              <a:off x="4860032" y="1340768"/>
+              <a:ext cx="144016" cy="0"/>
+            </a:xfrm>
+            <a:prstGeom prst="line">
+              <a:avLst/>
+            </a:prstGeom>
+            <a:ln>
+              <a:solidFill>
+                <a:schemeClr val="tx1"/>
+              </a:solidFill>
+            </a:ln>
+          </p:spPr>
+          <p:style>
+            <a:lnRef idx="1">
+              <a:schemeClr val="accent1"/>
+            </a:lnRef>
+            <a:fillRef idx="0">
+              <a:schemeClr val="accent1"/>
+            </a:fillRef>
+            <a:effectRef idx="0">
+              <a:schemeClr val="accent1"/>
+            </a:effectRef>
+            <a:fontRef idx="minor">
+              <a:schemeClr val="tx1"/>
+            </a:fontRef>
+          </p:style>
+        </p:cxnSp>
+        <p:cxnSp>
+          <p:nvCxnSpPr>
+            <p:cNvPr id="84" name="Gerade Verbindung 83"/>
+            <p:cNvCxnSpPr/>
+            <p:nvPr/>
+          </p:nvCxnSpPr>
+          <p:spPr>
+            <a:xfrm>
+              <a:off x="4860032" y="1772816"/>
+              <a:ext cx="144016" cy="0"/>
+            </a:xfrm>
+            <a:prstGeom prst="line">
+              <a:avLst/>
+            </a:prstGeom>
+            <a:ln>
+              <a:solidFill>
+                <a:schemeClr val="tx1"/>
+              </a:solidFill>
+            </a:ln>
+          </p:spPr>
+          <p:style>
+            <a:lnRef idx="1">
+              <a:schemeClr val="accent1"/>
+            </a:lnRef>
+            <a:fillRef idx="0">
+              <a:schemeClr val="accent1"/>
+            </a:fillRef>
+            <a:effectRef idx="0">
+              <a:schemeClr val="accent1"/>
+            </a:effectRef>
+            <a:fontRef idx="minor">
+              <a:schemeClr val="tx1"/>
+            </a:fontRef>
+          </p:style>
+        </p:cxnSp>
+        <p:cxnSp>
+          <p:nvCxnSpPr>
+            <p:cNvPr id="86" name="Gerade Verbindung 85"/>
+            <p:cNvCxnSpPr/>
+            <p:nvPr/>
+          </p:nvCxnSpPr>
+          <p:spPr>
+            <a:xfrm flipV="1">
+              <a:off x="4932040" y="1340768"/>
+              <a:ext cx="0" cy="432048"/>
+            </a:xfrm>
+            <a:prstGeom prst="line">
+              <a:avLst/>
+            </a:prstGeom>
+            <a:ln>
+              <a:solidFill>
+                <a:schemeClr val="tx1"/>
+              </a:solidFill>
+            </a:ln>
+          </p:spPr>
+          <p:style>
+            <a:lnRef idx="1">
+              <a:schemeClr val="accent1"/>
+            </a:lnRef>
+            <a:fillRef idx="0">
+              <a:schemeClr val="accent1"/>
+            </a:fillRef>
+            <a:effectRef idx="0">
+              <a:schemeClr val="accent1"/>
+            </a:effectRef>
+            <a:fontRef idx="minor">
+              <a:schemeClr val="tx1"/>
+            </a:fontRef>
+          </p:style>
+        </p:cxnSp>
+      </p:grpSp>
+      <p:sp>
+        <p:nvSpPr>
+          <p:cNvPr id="88" name="Textfeld 87"/>
+          <p:cNvSpPr txBox="1"/>
+          <p:nvPr/>
+        </p:nvSpPr>
+        <p:spPr>
+          <a:xfrm>
+            <a:off x="307082" y="2492896"/>
+            <a:ext cx="341760" cy="261610"/>
+          </a:xfrm>
+          <a:prstGeom prst="rect">
+            <a:avLst/>
+          </a:prstGeom>
+          <a:noFill/>
+        </p:spPr>
+        <p:txBody>
+          <a:bodyPr wrap="none" rtlCol="0">
+            <a:spAutoFit/>
+          </a:bodyPr>
+          <a:lstStyle/>
+          <a:p>
+            <a:r>
+              <a:rPr lang="de-DE" sz="1100" i="1" dirty="0" smtClean="0">
+                <a:latin typeface="Arial" pitchFamily="34" charset="0"/>
+                <a:cs typeface="Arial" pitchFamily="34" charset="0"/>
+              </a:rPr>
+              <a:t>h</a:t>
+            </a:r>
+            <a:r>
+              <a:rPr lang="de-DE" sz="1100" i="1" baseline="-25000" dirty="0" smtClean="0">
+                <a:latin typeface="Arial" pitchFamily="34" charset="0"/>
+                <a:cs typeface="Arial" pitchFamily="34" charset="0"/>
+              </a:rPr>
+              <a:t>m</a:t>
+            </a:r>
+            <a:endParaRPr lang="de-DE" sz="1100" i="1" baseline="-25000" dirty="0">
+              <a:latin typeface="Arial" pitchFamily="34" charset="0"/>
+              <a:cs typeface="Arial" pitchFamily="34" charset="0"/>
+            </a:endParaRPr>
+          </a:p>
+        </p:txBody>
+      </p:sp>
+      <p:grpSp>
+        <p:nvGrpSpPr>
+          <p:cNvPr id="4" name="Gruppieren 89"/>
+          <p:cNvGrpSpPr/>
+          <p:nvPr/>
+        </p:nvGrpSpPr>
+        <p:grpSpPr>
+          <a:xfrm>
+            <a:off x="576064" y="2348880"/>
+            <a:ext cx="144016" cy="648072"/>
+            <a:chOff x="4860032" y="1340768"/>
+            <a:chExt cx="144016" cy="432048"/>
+          </a:xfrm>
+        </p:grpSpPr>
+        <p:cxnSp>
+          <p:nvCxnSpPr>
+            <p:cNvPr id="91" name="Gerade Verbindung 90"/>
+            <p:cNvCxnSpPr/>
+            <p:nvPr/>
+          </p:nvCxnSpPr>
+          <p:spPr>
+            <a:xfrm>
+              <a:off x="4860032" y="1340768"/>
+              <a:ext cx="144016" cy="0"/>
+            </a:xfrm>
+            <a:prstGeom prst="line">
+              <a:avLst/>
+            </a:prstGeom>
+            <a:ln>
+              <a:solidFill>
+                <a:schemeClr val="tx1"/>
+              </a:solidFill>
+            </a:ln>
+          </p:spPr>
+          <p:style>
+            <a:lnRef idx="1">
+              <a:schemeClr val="accent1"/>
+            </a:lnRef>
+            <a:fillRef idx="0">
+              <a:schemeClr val="accent1"/>
+            </a:fillRef>
+            <a:effectRef idx="0">
+              <a:schemeClr val="accent1"/>
+            </a:effectRef>
+            <a:fontRef idx="minor">
+              <a:schemeClr val="tx1"/>
+            </a:fontRef>
+          </p:style>
+        </p:cxnSp>
+        <p:cxnSp>
+          <p:nvCxnSpPr>
+            <p:cNvPr id="92" name="Gerade Verbindung 91"/>
+            <p:cNvCxnSpPr/>
+            <p:nvPr/>
+          </p:nvCxnSpPr>
+          <p:spPr>
+            <a:xfrm>
+              <a:off x="4860032" y="1772816"/>
+              <a:ext cx="144016" cy="0"/>
+            </a:xfrm>
+            <a:prstGeom prst="line">
+              <a:avLst/>
+            </a:prstGeom>
+            <a:ln>
+              <a:solidFill>
+                <a:schemeClr val="tx1"/>
+              </a:solidFill>
+            </a:ln>
+          </p:spPr>
+          <p:style>
+            <a:lnRef idx="1">
+              <a:schemeClr val="accent1"/>
+            </a:lnRef>
+            <a:fillRef idx="0">
+              <a:schemeClr val="accent1"/>
+            </a:fillRef>
+            <a:effectRef idx="0">
+              <a:schemeClr val="accent1"/>
+            </a:effectRef>
+            <a:fontRef idx="minor">
+              <a:schemeClr val="tx1"/>
+            </a:fontRef>
+          </p:style>
+        </p:cxnSp>
+        <p:cxnSp>
+          <p:nvCxnSpPr>
+            <p:cNvPr id="93" name="Gerade Verbindung 92"/>
+            <p:cNvCxnSpPr/>
+            <p:nvPr/>
+          </p:nvCxnSpPr>
+          <p:spPr>
+            <a:xfrm flipV="1">
+              <a:off x="4932040" y="1340768"/>
+              <a:ext cx="0" cy="432048"/>
+            </a:xfrm>
+            <a:prstGeom prst="line">
+              <a:avLst/>
+            </a:prstGeom>
+            <a:ln>
+              <a:solidFill>
+                <a:schemeClr val="tx1"/>
+              </a:solidFill>
+            </a:ln>
+          </p:spPr>
+          <p:style>
+            <a:lnRef idx="1">
+              <a:schemeClr val="accent1"/>
+            </a:lnRef>
+            <a:fillRef idx="0">
+              <a:schemeClr val="accent1"/>
+            </a:fillRef>
+            <a:effectRef idx="0">
+              <a:schemeClr val="accent1"/>
+            </a:effectRef>
+            <a:fontRef idx="minor">
+              <a:schemeClr val="tx1"/>
+            </a:fontRef>
+          </p:style>
+        </p:cxnSp>
+      </p:grpSp>
+      <p:sp>
+        <p:nvSpPr>
+          <p:cNvPr id="94" name="Textfeld 93"/>
+          <p:cNvSpPr txBox="1"/>
+          <p:nvPr/>
+        </p:nvSpPr>
+        <p:spPr>
+          <a:xfrm>
+            <a:off x="2304256" y="2636912"/>
+            <a:ext cx="284052" cy="261610"/>
+          </a:xfrm>
+          <a:prstGeom prst="rect">
+            <a:avLst/>
+          </a:prstGeom>
+          <a:noFill/>
+        </p:spPr>
+        <p:txBody>
+          <a:bodyPr wrap="none" rtlCol="0">
+            <a:spAutoFit/>
+          </a:bodyPr>
+          <a:lstStyle/>
+          <a:p>
+            <a:r>
+              <a:rPr lang="de-DE" sz="1100" i="1" dirty="0" smtClean="0">
+                <a:latin typeface="Arial" pitchFamily="34" charset="0"/>
+                <a:cs typeface="Arial" pitchFamily="34" charset="0"/>
+              </a:rPr>
+              <a:t>h</a:t>
+            </a:r>
+            <a:r>
+              <a:rPr lang="de-DE" sz="1100" i="1" baseline="-25000" dirty="0" smtClean="0">
+                <a:latin typeface="Arial" pitchFamily="34" charset="0"/>
+                <a:cs typeface="Arial" pitchFamily="34" charset="0"/>
+              </a:rPr>
+              <a:t>l</a:t>
+            </a:r>
+            <a:endParaRPr lang="de-DE" sz="1100" i="1" baseline="-25000" dirty="0">
+              <a:latin typeface="Arial" pitchFamily="34" charset="0"/>
+              <a:cs typeface="Arial" pitchFamily="34" charset="0"/>
+            </a:endParaRPr>
+          </a:p>
+        </p:txBody>
+      </p:sp>
+      <p:sp>
+        <p:nvSpPr>
+          <p:cNvPr id="65" name="Textfeld 64"/>
+          <p:cNvSpPr txBox="1"/>
+          <p:nvPr/>
+        </p:nvSpPr>
+        <p:spPr>
+          <a:xfrm>
+            <a:off x="5470332" y="1503834"/>
+            <a:ext cx="279244" cy="261610"/>
+          </a:xfrm>
+          <a:prstGeom prst="rect">
+            <a:avLst/>
+          </a:prstGeom>
+          <a:noFill/>
+        </p:spPr>
+        <p:txBody>
+          <a:bodyPr wrap="none" rtlCol="0">
+            <a:spAutoFit/>
+          </a:bodyPr>
+          <a:lstStyle/>
+          <a:p>
+            <a:r>
+              <a:rPr lang="de-DE" sz="1100" i="1" dirty="0" smtClean="0">
+                <a:latin typeface="Arial" pitchFamily="34" charset="0"/>
+                <a:cs typeface="Arial" pitchFamily="34" charset="0"/>
+              </a:rPr>
+              <a:t>P</a:t>
+            </a:r>
+            <a:endParaRPr lang="de-DE" sz="1100" i="1" dirty="0">
+              <a:latin typeface="Arial" pitchFamily="34" charset="0"/>
+              <a:cs typeface="Arial" pitchFamily="34" charset="0"/>
+            </a:endParaRPr>
+          </a:p>
+        </p:txBody>
+      </p:sp>
+      <p:cxnSp>
+        <p:nvCxnSpPr>
+          <p:cNvPr id="66" name="Gerade Verbindung 65"/>
+          <p:cNvCxnSpPr/>
+          <p:nvPr/>
+        </p:nvCxnSpPr>
+        <p:spPr>
+          <a:xfrm flipH="1">
+            <a:off x="3248961" y="2235050"/>
+            <a:ext cx="556368" cy="425002"/>
+          </a:xfrm>
+          <a:prstGeom prst="line">
+            <a:avLst/>
+          </a:prstGeom>
+          <a:ln>
+            <a:solidFill>
+              <a:schemeClr val="tx1"/>
+            </a:solidFill>
+            <a:prstDash val="sysDot"/>
+          </a:ln>
+        </p:spPr>
+        <p:style>
+          <a:lnRef idx="1">
+            <a:schemeClr val="accent1"/>
+          </a:lnRef>
+          <a:fillRef idx="0">
+            <a:schemeClr val="accent1"/>
+          </a:fillRef>
+          <a:effectRef idx="0">
+            <a:schemeClr val="accent1"/>
+          </a:effectRef>
+          <a:fontRef idx="minor">
+            <a:schemeClr val="tx1"/>
+          </a:fontRef>
+        </p:style>
+      </p:cxnSp>
+      <p:sp>
+        <p:nvSpPr>
+          <p:cNvPr id="73" name="Ellipse 72"/>
+          <p:cNvSpPr/>
+          <p:nvPr/>
+        </p:nvSpPr>
+        <p:spPr>
+          <a:xfrm>
+            <a:off x="3491880" y="2407400"/>
+            <a:ext cx="72008" cy="72008"/>
+          </a:xfrm>
+          <a:prstGeom prst="ellipse">
+            <a:avLst/>
+          </a:prstGeom>
+          <a:solidFill>
+            <a:schemeClr val="tx1"/>
+          </a:solidFill>
+          <a:ln>
+            <a:solidFill>
+              <a:schemeClr val="tx1"/>
+            </a:solidFill>
+          </a:ln>
+        </p:spPr>
+        <p:style>
+          <a:lnRef idx="2">
+            <a:schemeClr val="accent1">
+              <a:shade val="50000"/>
+            </a:schemeClr>
+          </a:lnRef>
+          <a:fillRef idx="1">
+            <a:schemeClr val="accent1"/>
+          </a:fillRef>
+          <a:effectRef idx="0">
+            <a:schemeClr val="accent1"/>
+          </a:effectRef>
+          <a:fontRef idx="minor">
+            <a:schemeClr val="lt1"/>
+          </a:fontRef>
+        </p:style>
+        <p:txBody>
+          <a:bodyPr rtlCol="0" anchor="ctr"/>
+          <a:lstStyle/>
+          <a:p>
+            <a:pPr algn="ctr"/>
+            <a:endParaRPr lang="de-DE" sz="1400">
+              <a:latin typeface="Arial" pitchFamily="34" charset="0"/>
+              <a:cs typeface="Arial" pitchFamily="34" charset="0"/>
+            </a:endParaRPr>
+          </a:p>
+        </p:txBody>
+      </p:sp>
+      <p:sp>
+        <p:nvSpPr>
+          <p:cNvPr id="78" name="Textfeld 77"/>
+          <p:cNvSpPr txBox="1"/>
+          <p:nvPr/>
+        </p:nvSpPr>
+        <p:spPr>
+          <a:xfrm>
+            <a:off x="3615068" y="1545880"/>
+            <a:ext cx="569387" cy="261610"/>
+          </a:xfrm>
+          <a:prstGeom prst="rect">
+            <a:avLst/>
+          </a:prstGeom>
+          <a:noFill/>
+        </p:spPr>
+        <p:txBody>
+          <a:bodyPr wrap="none" rtlCol="0">
+            <a:spAutoFit/>
+          </a:bodyPr>
+          <a:lstStyle/>
+          <a:p>
+            <a:r>
+              <a:rPr lang="de-DE" sz="1100" i="1" dirty="0" smtClean="0">
+                <a:latin typeface="Arial" pitchFamily="34" charset="0"/>
+                <a:cs typeface="Arial" pitchFamily="34" charset="0"/>
+              </a:rPr>
+              <a:t>(I</a:t>
+            </a:r>
+            <a:r>
+              <a:rPr lang="de-DE" sz="1100" i="1" baseline="-25000" dirty="0" smtClean="0">
+                <a:latin typeface="Arial" pitchFamily="34" charset="0"/>
+                <a:cs typeface="Arial" pitchFamily="34" charset="0"/>
+              </a:rPr>
+              <a:t>0</a:t>
+            </a:r>
+            <a:r>
+              <a:rPr lang="de-DE" sz="1100" i="1" dirty="0" smtClean="0">
+                <a:latin typeface="Arial" pitchFamily="34" charset="0"/>
+                <a:cs typeface="Arial" pitchFamily="34" charset="0"/>
+              </a:rPr>
+              <a:t>,Q</a:t>
+            </a:r>
+            <a:r>
+              <a:rPr lang="de-DE" sz="1100" i="1" baseline="-25000" dirty="0" smtClean="0">
+                <a:latin typeface="Arial" pitchFamily="34" charset="0"/>
+                <a:cs typeface="Arial" pitchFamily="34" charset="0"/>
+              </a:rPr>
+              <a:t>0</a:t>
+            </a:r>
+            <a:r>
+              <a:rPr lang="de-DE" sz="1100" i="1" dirty="0" smtClean="0">
+                <a:latin typeface="Arial" pitchFamily="34" charset="0"/>
+                <a:cs typeface="Arial" pitchFamily="34" charset="0"/>
+              </a:rPr>
+              <a:t>)</a:t>
+            </a:r>
+            <a:endParaRPr lang="de-DE" sz="1100" i="1" dirty="0">
+              <a:latin typeface="Arial" pitchFamily="34" charset="0"/>
+              <a:cs typeface="Arial" pitchFamily="34" charset="0"/>
+            </a:endParaRPr>
+          </a:p>
+        </p:txBody>
+      </p:sp>
+      <p:cxnSp>
+        <p:nvCxnSpPr>
+          <p:cNvPr id="79" name="Gerade Verbindung 78"/>
+          <p:cNvCxnSpPr/>
+          <p:nvPr/>
+        </p:nvCxnSpPr>
+        <p:spPr>
+          <a:xfrm>
+            <a:off x="1475656" y="1916832"/>
+            <a:ext cx="0" cy="576064"/>
+          </a:xfrm>
+          <a:prstGeom prst="line">
+            <a:avLst/>
+          </a:prstGeom>
+          <a:ln>
+            <a:solidFill>
+              <a:schemeClr val="tx1"/>
+            </a:solidFill>
+            <a:prstDash val="sysDot"/>
+          </a:ln>
+        </p:spPr>
+        <p:style>
+          <a:lnRef idx="1">
+            <a:schemeClr val="accent1"/>
+          </a:lnRef>
+          <a:fillRef idx="0">
+            <a:schemeClr val="accent1"/>
+          </a:fillRef>
+          <a:effectRef idx="0">
+            <a:schemeClr val="accent1"/>
+          </a:effectRef>
+          <a:fontRef idx="minor">
+            <a:schemeClr val="tx1"/>
+          </a:fontRef>
+        </p:style>
+      </p:cxnSp>
+      <p:cxnSp>
+        <p:nvCxnSpPr>
+          <p:cNvPr id="97" name="Gerade Verbindung 96"/>
+          <p:cNvCxnSpPr/>
+          <p:nvPr/>
+        </p:nvCxnSpPr>
+        <p:spPr>
+          <a:xfrm flipV="1">
+            <a:off x="1475656" y="1988414"/>
+            <a:ext cx="469473" cy="426"/>
+          </a:xfrm>
+          <a:prstGeom prst="line">
+            <a:avLst/>
+          </a:prstGeom>
+          <a:ln>
+            <a:solidFill>
+              <a:schemeClr val="bg1">
+                <a:lumMod val="50000"/>
+              </a:schemeClr>
+            </a:solidFill>
+            <a:prstDash val="sysDash"/>
+          </a:ln>
+        </p:spPr>
+        <p:style>
+          <a:lnRef idx="1">
+            <a:schemeClr val="accent1"/>
+          </a:lnRef>
+          <a:fillRef idx="0">
+            <a:schemeClr val="accent1"/>
+          </a:fillRef>
+          <a:effectRef idx="0">
+            <a:schemeClr val="accent1"/>
+          </a:effectRef>
+          <a:fontRef idx="minor">
+            <a:schemeClr val="tx1"/>
+          </a:fontRef>
+        </p:style>
+      </p:cxnSp>
+      <p:sp>
+        <p:nvSpPr>
+          <p:cNvPr id="90" name="Textfeld 89"/>
+          <p:cNvSpPr txBox="1"/>
+          <p:nvPr/>
+        </p:nvSpPr>
+        <p:spPr>
+          <a:xfrm>
+            <a:off x="1547664" y="1809659"/>
+            <a:ext cx="301686" cy="261610"/>
+          </a:xfrm>
+          <a:prstGeom prst="rect">
+            <a:avLst/>
+          </a:prstGeom>
+          <a:solidFill>
+            <a:schemeClr val="bg1"/>
+          </a:solidFill>
+        </p:spPr>
+        <p:txBody>
+          <a:bodyPr wrap="none" rtlCol="0">
+            <a:spAutoFit/>
+          </a:bodyPr>
+          <a:lstStyle/>
+          <a:p>
+            <a:r>
+              <a:rPr lang="de-DE" sz="1100" i="1" dirty="0" err="1" smtClean="0">
+                <a:latin typeface="Arial" pitchFamily="34" charset="0"/>
+                <a:cs typeface="Arial" pitchFamily="34" charset="0"/>
+              </a:rPr>
+              <a:t>t</a:t>
+            </a:r>
+            <a:r>
+              <a:rPr lang="de-DE" sz="1100" i="1" baseline="-25000" dirty="0" err="1" smtClean="0">
+                <a:latin typeface="Arial" pitchFamily="34" charset="0"/>
+                <a:cs typeface="Arial" pitchFamily="34" charset="0"/>
+              </a:rPr>
+              <a:t>m</a:t>
+            </a:r>
+            <a:endParaRPr lang="de-DE" sz="1100" i="1" baseline="-25000" dirty="0">
+              <a:latin typeface="Arial" pitchFamily="34" charset="0"/>
+              <a:cs typeface="Arial" pitchFamily="34" charset="0"/>
+            </a:endParaRPr>
+          </a:p>
+        </p:txBody>
+      </p:sp>
+      <p:sp>
+        <p:nvSpPr>
+          <p:cNvPr id="102" name="Textfeld 101"/>
+          <p:cNvSpPr txBox="1"/>
+          <p:nvPr/>
+        </p:nvSpPr>
+        <p:spPr>
+          <a:xfrm>
+            <a:off x="5038284" y="1671538"/>
+            <a:ext cx="261554" cy="261610"/>
+          </a:xfrm>
+          <a:prstGeom prst="rect">
+            <a:avLst/>
+          </a:prstGeom>
+          <a:noFill/>
+        </p:spPr>
+        <p:txBody>
+          <a:bodyPr wrap="square" rtlCol="0">
+            <a:spAutoFit/>
+          </a:bodyPr>
+          <a:lstStyle/>
+          <a:p>
+            <a:r>
+              <a:rPr lang="de-DE" sz="1100" i="1" dirty="0" smtClean="0">
+                <a:latin typeface="Arial" pitchFamily="34" charset="0"/>
+                <a:cs typeface="Arial" pitchFamily="34" charset="0"/>
+              </a:rPr>
+              <a:t>H</a:t>
+            </a:r>
+            <a:endParaRPr lang="de-DE" sz="1100" i="1" dirty="0">
+              <a:latin typeface="Arial" pitchFamily="34" charset="0"/>
+              <a:cs typeface="Arial" pitchFamily="34" charset="0"/>
+            </a:endParaRPr>
+          </a:p>
+        </p:txBody>
+      </p:sp>
+      <p:sp>
+        <p:nvSpPr>
+          <p:cNvPr id="103" name="Textfeld 102"/>
+          <p:cNvSpPr txBox="1"/>
+          <p:nvPr/>
+        </p:nvSpPr>
+        <p:spPr>
+          <a:xfrm>
+            <a:off x="5863130" y="1666900"/>
+            <a:ext cx="236224" cy="261610"/>
+          </a:xfrm>
+          <a:prstGeom prst="rect">
+            <a:avLst/>
+          </a:prstGeom>
+          <a:noFill/>
+        </p:spPr>
+        <p:txBody>
+          <a:bodyPr wrap="square" rtlCol="0">
+            <a:spAutoFit/>
+          </a:bodyPr>
+          <a:lstStyle/>
+          <a:p>
+            <a:r>
+              <a:rPr lang="de-DE" sz="1100" i="1" dirty="0">
+                <a:latin typeface="Arial" pitchFamily="34" charset="0"/>
+                <a:cs typeface="Arial" pitchFamily="34" charset="0"/>
+              </a:rPr>
+              <a:t>L</a:t>
+            </a:r>
+          </a:p>
+        </p:txBody>
+      </p:sp>
+      <p:sp>
+        <p:nvSpPr>
+          <p:cNvPr id="104" name="Rechteck 103"/>
+          <p:cNvSpPr/>
+          <p:nvPr/>
+        </p:nvSpPr>
+        <p:spPr>
+          <a:xfrm>
+            <a:off x="6305525" y="3068960"/>
+            <a:ext cx="304892" cy="307777"/>
+          </a:xfrm>
+          <a:prstGeom prst="rect">
+            <a:avLst/>
+          </a:prstGeom>
+        </p:spPr>
+        <p:txBody>
+          <a:bodyPr wrap="none">
+            <a:spAutoFit/>
+          </a:bodyPr>
+          <a:lstStyle/>
+          <a:p>
+            <a:r>
+              <a:rPr lang="de-DE" sz="1400" i="1" dirty="0" smtClean="0">
+                <a:latin typeface="Arial" pitchFamily="34" charset="0"/>
+                <a:cs typeface="Arial" pitchFamily="34" charset="0"/>
+              </a:rPr>
+              <a:t>P</a:t>
+            </a:r>
+            <a:endParaRPr lang="de-DE" sz="1400" dirty="0"/>
+          </a:p>
+        </p:txBody>
+      </p:sp>
+    </p:spTree>
+  </p:cSld>
+  <p:clrMapOvr>
+    <a:masterClrMapping/>
+  </p:clrMapOvr>
+  <p:timing>
+    <p:tnLst>
+      <p:par>
+        <p:cTn id="1" dur="indefinite" restart="never" nodeType="tmRoot"/>
+      </p:par>
+    </p:tnLst>
+  </p:timing>
 </p:sld>
 </file>
 

--- a/material/figures/measurement/readout.pptx
+++ b/material/figures/measurement/readout.pptx
@@ -194,7 +194,7 @@
             <a:fld id="{D9BE5155-B310-4786-9BAA-6B61A9A89412}" type="datetimeFigureOut">
               <a:rPr lang="de-DE" smtClean="0"/>
               <a:pPr/>
-              <a:t>23.08.2012</a:t>
+              <a:t>25.08.2012</a:t>
             </a:fld>
             <a:endParaRPr lang="de-DE"/>
           </a:p>
@@ -806,7 +806,7 @@
             <a:fld id="{7C0D5785-3819-4065-AE25-57540D96468E}" type="datetimeFigureOut">
               <a:rPr lang="de-DE" smtClean="0"/>
               <a:pPr/>
-              <a:t>23.08.2012</a:t>
+              <a:t>25.08.2012</a:t>
             </a:fld>
             <a:endParaRPr lang="de-DE"/>
           </a:p>
@@ -973,7 +973,7 @@
             <a:fld id="{7C0D5785-3819-4065-AE25-57540D96468E}" type="datetimeFigureOut">
               <a:rPr lang="de-DE" smtClean="0"/>
               <a:pPr/>
-              <a:t>23.08.2012</a:t>
+              <a:t>25.08.2012</a:t>
             </a:fld>
             <a:endParaRPr lang="de-DE"/>
           </a:p>
@@ -1150,7 +1150,7 @@
             <a:fld id="{7C0D5785-3819-4065-AE25-57540D96468E}" type="datetimeFigureOut">
               <a:rPr lang="de-DE" smtClean="0"/>
               <a:pPr/>
-              <a:t>23.08.2012</a:t>
+              <a:t>25.08.2012</a:t>
             </a:fld>
             <a:endParaRPr lang="de-DE"/>
           </a:p>
@@ -1317,7 +1317,7 @@
             <a:fld id="{7C0D5785-3819-4065-AE25-57540D96468E}" type="datetimeFigureOut">
               <a:rPr lang="de-DE" smtClean="0"/>
               <a:pPr/>
-              <a:t>23.08.2012</a:t>
+              <a:t>25.08.2012</a:t>
             </a:fld>
             <a:endParaRPr lang="de-DE"/>
           </a:p>
@@ -1560,7 +1560,7 @@
             <a:fld id="{7C0D5785-3819-4065-AE25-57540D96468E}" type="datetimeFigureOut">
               <a:rPr lang="de-DE" smtClean="0"/>
               <a:pPr/>
-              <a:t>23.08.2012</a:t>
+              <a:t>25.08.2012</a:t>
             </a:fld>
             <a:endParaRPr lang="de-DE"/>
           </a:p>
@@ -1845,7 +1845,7 @@
             <a:fld id="{7C0D5785-3819-4065-AE25-57540D96468E}" type="datetimeFigureOut">
               <a:rPr lang="de-DE" smtClean="0"/>
               <a:pPr/>
-              <a:t>23.08.2012</a:t>
+              <a:t>25.08.2012</a:t>
             </a:fld>
             <a:endParaRPr lang="de-DE"/>
           </a:p>
@@ -2264,7 +2264,7 @@
             <a:fld id="{7C0D5785-3819-4065-AE25-57540D96468E}" type="datetimeFigureOut">
               <a:rPr lang="de-DE" smtClean="0"/>
               <a:pPr/>
-              <a:t>23.08.2012</a:t>
+              <a:t>25.08.2012</a:t>
             </a:fld>
             <a:endParaRPr lang="de-DE"/>
           </a:p>
@@ -2379,7 +2379,7 @@
             <a:fld id="{7C0D5785-3819-4065-AE25-57540D96468E}" type="datetimeFigureOut">
               <a:rPr lang="de-DE" smtClean="0"/>
               <a:pPr/>
-              <a:t>23.08.2012</a:t>
+              <a:t>25.08.2012</a:t>
             </a:fld>
             <a:endParaRPr lang="de-DE"/>
           </a:p>
@@ -2471,7 +2471,7 @@
             <a:fld id="{7C0D5785-3819-4065-AE25-57540D96468E}" type="datetimeFigureOut">
               <a:rPr lang="de-DE" smtClean="0"/>
               <a:pPr/>
-              <a:t>23.08.2012</a:t>
+              <a:t>25.08.2012</a:t>
             </a:fld>
             <a:endParaRPr lang="de-DE"/>
           </a:p>
@@ -2745,7 +2745,7 @@
             <a:fld id="{7C0D5785-3819-4065-AE25-57540D96468E}" type="datetimeFigureOut">
               <a:rPr lang="de-DE" smtClean="0"/>
               <a:pPr/>
-              <a:t>23.08.2012</a:t>
+              <a:t>25.08.2012</a:t>
             </a:fld>
             <a:endParaRPr lang="de-DE"/>
           </a:p>
@@ -2995,7 +2995,7 @@
             <a:fld id="{7C0D5785-3819-4065-AE25-57540D96468E}" type="datetimeFigureOut">
               <a:rPr lang="de-DE" smtClean="0"/>
               <a:pPr/>
-              <a:t>23.08.2012</a:t>
+              <a:t>25.08.2012</a:t>
             </a:fld>
             <a:endParaRPr lang="de-DE"/>
           </a:p>
@@ -3205,7 +3205,7 @@
             <a:fld id="{7C0D5785-3819-4065-AE25-57540D96468E}" type="datetimeFigureOut">
               <a:rPr lang="de-DE" smtClean="0"/>
               <a:pPr/>
-              <a:t>23.08.2012</a:t>
+              <a:t>25.08.2012</a:t>
             </a:fld>
             <a:endParaRPr lang="de-DE"/>
           </a:p>
@@ -7503,7 +7503,7 @@
         </p:nvSpPr>
         <p:spPr>
           <a:xfrm>
-            <a:off x="0" y="1412776"/>
+            <a:off x="251520" y="1412776"/>
             <a:ext cx="1045479" cy="261610"/>
           </a:xfrm>
           <a:prstGeom prst="rect">
@@ -7539,7 +7539,7 @@
         </p:nvSpPr>
         <p:spPr>
           <a:xfrm>
-            <a:off x="1209569" y="1427406"/>
+            <a:off x="1297732" y="1427406"/>
             <a:ext cx="671979" cy="261610"/>
           </a:xfrm>
           <a:prstGeom prst="rect">
